--- a/Report/PhanMemQuanLyGiay.pptx
+++ b/Report/PhanMemQuanLyGiay.pptx
@@ -7,19 +7,16 @@
   <p:sldIdLst>
     <p:sldId id="258" r:id="rId2"/>
     <p:sldId id="262" r:id="rId3"/>
-    <p:sldId id="264" r:id="rId4"/>
-    <p:sldId id="259" r:id="rId5"/>
-    <p:sldId id="260" r:id="rId6"/>
-    <p:sldId id="261" r:id="rId7"/>
-    <p:sldId id="265" r:id="rId8"/>
-    <p:sldId id="277" r:id="rId9"/>
-    <p:sldId id="278" r:id="rId10"/>
-    <p:sldId id="267" r:id="rId11"/>
-    <p:sldId id="268" r:id="rId12"/>
-    <p:sldId id="280" r:id="rId13"/>
-    <p:sldId id="281" r:id="rId14"/>
-    <p:sldId id="275" r:id="rId15"/>
-    <p:sldId id="276" r:id="rId16"/>
+    <p:sldId id="282" r:id="rId4"/>
+    <p:sldId id="261" r:id="rId5"/>
+    <p:sldId id="265" r:id="rId6"/>
+    <p:sldId id="277" r:id="rId7"/>
+    <p:sldId id="278" r:id="rId8"/>
+    <p:sldId id="267" r:id="rId9"/>
+    <p:sldId id="268" r:id="rId10"/>
+    <p:sldId id="280" r:id="rId11"/>
+    <p:sldId id="281" r:id="rId12"/>
+    <p:sldId id="276" r:id="rId13"/>
   </p:sldIdLst>
   <p:sldSz cx="12192000" cy="6858000"/>
   <p:notesSz cx="6858000" cy="9144000"/>
@@ -4176,7 +4173,7 @@
               <a:buNone/>
             </a:pPr>
             <a:r>
-              <a:rPr lang="en-US" sz="1800" b="1" i="0" u="none" strike="noStrike" cap="none">
+              <a:rPr lang="en-US" sz="1800" b="1" i="0" u="none" strike="noStrike" cap="none" dirty="0">
                 <a:latin typeface="Times New Roman"/>
                 <a:ea typeface="Times New Roman"/>
                 <a:cs typeface="Times New Roman"/>
@@ -4185,13 +4182,49 @@
               <a:t>GVHD</a:t>
             </a:r>
             <a:r>
-              <a:rPr lang="en-US" b="1">
+              <a:rPr lang="en-US" b="1" dirty="0">
                 <a:latin typeface="Times New Roman"/>
                 <a:ea typeface="Times New Roman"/>
                 <a:cs typeface="Times New Roman"/>
                 <a:sym typeface="Times New Roman"/>
               </a:rPr>
-              <a:t>: </a:t>
+              <a:t>: Nguyễn </a:t>
+            </a:r>
+            <a:r>
+              <a:rPr lang="en-US" b="1" dirty="0" err="1">
+                <a:latin typeface="Times New Roman"/>
+                <a:ea typeface="Times New Roman"/>
+                <a:cs typeface="Times New Roman"/>
+                <a:sym typeface="Times New Roman"/>
+              </a:rPr>
+              <a:t>Trường</a:t>
+            </a:r>
+            <a:r>
+              <a:rPr lang="en-US" b="1" dirty="0">
+                <a:latin typeface="Times New Roman"/>
+                <a:ea typeface="Times New Roman"/>
+                <a:cs typeface="Times New Roman"/>
+                <a:sym typeface="Times New Roman"/>
+              </a:rPr>
+              <a:t> </a:t>
+            </a:r>
+            <a:r>
+              <a:rPr lang="en-US" b="1" dirty="0" err="1">
+                <a:latin typeface="Times New Roman"/>
+                <a:ea typeface="Times New Roman"/>
+                <a:cs typeface="Times New Roman"/>
+                <a:sym typeface="Times New Roman"/>
+              </a:rPr>
+              <a:t>Hải</a:t>
+            </a:r>
+            <a:r>
+              <a:rPr lang="en-US" b="1" dirty="0">
+                <a:latin typeface="Times New Roman"/>
+                <a:ea typeface="Times New Roman"/>
+                <a:cs typeface="Times New Roman"/>
+                <a:sym typeface="Times New Roman"/>
+              </a:rPr>
+              <a:t>  </a:t>
             </a:r>
             <a:endParaRPr lang="vi-VN" sz="1600" b="1" i="0" u="none" strike="noStrike" cap="none" dirty="0">
               <a:latin typeface="Times New Roman"/>
@@ -4397,589 +4430,6 @@
           <a:chExt cx="0" cy="0"/>
         </a:xfrm>
       </p:grpSpPr>
-      <p:pic>
-        <p:nvPicPr>
-          <p:cNvPr id="5" name="Hình ảnh 4">
-            <a:extLst>
-              <a:ext uri="{FF2B5EF4-FFF2-40B4-BE49-F238E27FC236}">
-                <a16:creationId xmlns:a16="http://schemas.microsoft.com/office/drawing/2014/main" id="{4F9E7D65-859E-4AB8-A6DE-D22B31B5A70A}"/>
-              </a:ext>
-            </a:extLst>
-          </p:cNvPr>
-          <p:cNvPicPr/>
-          <p:nvPr/>
-        </p:nvPicPr>
-        <p:blipFill>
-          <a:blip r:embed="rId2"/>
-          <a:stretch>
-            <a:fillRect/>
-          </a:stretch>
-        </p:blipFill>
-        <p:spPr>
-          <a:xfrm>
-            <a:off x="160006" y="1178214"/>
-            <a:ext cx="6818309" cy="4568067"/>
-          </a:xfrm>
-          <a:prstGeom prst="rect">
-            <a:avLst/>
-          </a:prstGeom>
-        </p:spPr>
-      </p:pic>
-      <p:sp>
-        <p:nvSpPr>
-          <p:cNvPr id="6" name="Gợn sóng Kép 5">
-            <a:extLst>
-              <a:ext uri="{FF2B5EF4-FFF2-40B4-BE49-F238E27FC236}">
-                <a16:creationId xmlns:a16="http://schemas.microsoft.com/office/drawing/2014/main" id="{CD2CC829-3496-4135-AA40-11CC5BC90902}"/>
-              </a:ext>
-            </a:extLst>
-          </p:cNvPr>
-          <p:cNvSpPr/>
-          <p:nvPr/>
-        </p:nvSpPr>
-        <p:spPr>
-          <a:xfrm>
-            <a:off x="76484" y="0"/>
-            <a:ext cx="2172929" cy="1150374"/>
-          </a:xfrm>
-          <a:prstGeom prst="doubleWave">
-            <a:avLst/>
-          </a:prstGeom>
-          <a:solidFill>
-            <a:srgbClr val="C00000"/>
-          </a:solidFill>
-          <a:ln>
-            <a:noFill/>
-          </a:ln>
-        </p:spPr>
-        <p:style>
-          <a:lnRef idx="2">
-            <a:schemeClr val="accent1">
-              <a:shade val="50000"/>
-            </a:schemeClr>
-          </a:lnRef>
-          <a:fillRef idx="1">
-            <a:schemeClr val="accent1"/>
-          </a:fillRef>
-          <a:effectRef idx="0">
-            <a:schemeClr val="accent1"/>
-          </a:effectRef>
-          <a:fontRef idx="minor">
-            <a:schemeClr val="lt1"/>
-          </a:fontRef>
-        </p:style>
-        <p:txBody>
-          <a:bodyPr rtlCol="0" anchor="ctr"/>
-          <a:lstStyle/>
-          <a:p>
-            <a:pPr algn="ctr"/>
-            <a:r>
-              <a:rPr lang="en-US" sz="3600" b="1">
-                <a:effectLst>
-                  <a:outerShdw blurRad="38100" dist="38100" dir="2700000" algn="tl">
-                    <a:srgbClr val="000000">
-                      <a:alpha val="43137"/>
-                    </a:srgbClr>
-                  </a:outerShdw>
-                </a:effectLst>
-              </a:rPr>
-              <a:t>HÓA ĐƠN</a:t>
-            </a:r>
-          </a:p>
-        </p:txBody>
-      </p:sp>
-      <p:sp>
-        <p:nvSpPr>
-          <p:cNvPr id="8" name="Hộp Văn bản 7">
-            <a:extLst>
-              <a:ext uri="{FF2B5EF4-FFF2-40B4-BE49-F238E27FC236}">
-                <a16:creationId xmlns:a16="http://schemas.microsoft.com/office/drawing/2014/main" id="{F7803212-02EA-4307-A364-D1EEDF1D588F}"/>
-              </a:ext>
-            </a:extLst>
-          </p:cNvPr>
-          <p:cNvSpPr txBox="1"/>
-          <p:nvPr/>
-        </p:nvSpPr>
-        <p:spPr>
-          <a:xfrm>
-            <a:off x="2531444" y="5543288"/>
-            <a:ext cx="1595309" cy="461665"/>
-          </a:xfrm>
-          <a:prstGeom prst="rect">
-            <a:avLst/>
-          </a:prstGeom>
-          <a:solidFill>
-            <a:srgbClr val="008080"/>
-          </a:solidFill>
-        </p:spPr>
-        <p:txBody>
-          <a:bodyPr wrap="none" rtlCol="0">
-            <a:spAutoFit/>
-          </a:bodyPr>
-          <a:lstStyle/>
-          <a:p>
-            <a:r>
-              <a:rPr lang="en-US" sz="2400">
-                <a:solidFill>
-                  <a:schemeClr val="bg1"/>
-                </a:solidFill>
-              </a:rPr>
-              <a:t>In Hóa Đơn</a:t>
-            </a:r>
-          </a:p>
-        </p:txBody>
-      </p:sp>
-      <p:pic>
-        <p:nvPicPr>
-          <p:cNvPr id="10" name="Hình ảnh 9">
-            <a:extLst>
-              <a:ext uri="{FF2B5EF4-FFF2-40B4-BE49-F238E27FC236}">
-                <a16:creationId xmlns:a16="http://schemas.microsoft.com/office/drawing/2014/main" id="{A8A18241-62FC-4C74-9974-83A25F87DFFD}"/>
-              </a:ext>
-            </a:extLst>
-          </p:cNvPr>
-          <p:cNvPicPr/>
-          <p:nvPr/>
-        </p:nvPicPr>
-        <p:blipFill>
-          <a:blip r:embed="rId3"/>
-          <a:stretch>
-            <a:fillRect/>
-          </a:stretch>
-        </p:blipFill>
-        <p:spPr>
-          <a:xfrm>
-            <a:off x="5118265" y="-1"/>
-            <a:ext cx="7073735" cy="4975761"/>
-          </a:xfrm>
-          <a:prstGeom prst="rect">
-            <a:avLst/>
-          </a:prstGeom>
-        </p:spPr>
-      </p:pic>
-      <p:sp>
-        <p:nvSpPr>
-          <p:cNvPr id="9" name="Hộp Văn bản 8">
-            <a:extLst>
-              <a:ext uri="{FF2B5EF4-FFF2-40B4-BE49-F238E27FC236}">
-                <a16:creationId xmlns:a16="http://schemas.microsoft.com/office/drawing/2014/main" id="{87850249-B027-475D-8121-7821E1D951A1}"/>
-              </a:ext>
-            </a:extLst>
-          </p:cNvPr>
-          <p:cNvSpPr txBox="1"/>
-          <p:nvPr/>
-        </p:nvSpPr>
-        <p:spPr>
-          <a:xfrm>
-            <a:off x="7801613" y="4495017"/>
-            <a:ext cx="2316916" cy="461665"/>
-          </a:xfrm>
-          <a:prstGeom prst="rect">
-            <a:avLst/>
-          </a:prstGeom>
-          <a:solidFill>
-            <a:srgbClr val="008080"/>
-          </a:solidFill>
-        </p:spPr>
-        <p:txBody>
-          <a:bodyPr wrap="none" rtlCol="0">
-            <a:spAutoFit/>
-          </a:bodyPr>
-          <a:lstStyle/>
-          <a:p>
-            <a:r>
-              <a:rPr lang="en-US" sz="2400">
-                <a:solidFill>
-                  <a:schemeClr val="bg1"/>
-                </a:solidFill>
-              </a:rPr>
-              <a:t>Tra Cứu Hóa Đơn</a:t>
-            </a:r>
-          </a:p>
-        </p:txBody>
-      </p:sp>
-    </p:spTree>
-    <p:extLst>
-      <p:ext uri="{BB962C8B-B14F-4D97-AF65-F5344CB8AC3E}">
-        <p14:creationId xmlns:p14="http://schemas.microsoft.com/office/powerpoint/2010/main" val="2730633861"/>
-      </p:ext>
-    </p:extLst>
-  </p:cSld>
-  <p:clrMapOvr>
-    <a:masterClrMapping/>
-  </p:clrMapOvr>
-  <mc:AlternateContent xmlns:mc="http://schemas.openxmlformats.org/markup-compatibility/2006" xmlns:p15="http://schemas.microsoft.com/office/powerpoint/2012/main">
-    <mc:Choice Requires="p15">
-      <p:transition xmlns:p14="http://schemas.microsoft.com/office/powerpoint/2010/main" spd="slow" p14:dur="1250">
-        <p15:prstTrans prst="peelOff"/>
-      </p:transition>
-    </mc:Choice>
-    <mc:Fallback xmlns="">
-      <p:transition spd="slow">
-        <p:fade/>
-      </p:transition>
-    </mc:Fallback>
-  </mc:AlternateContent>
-  <p:timing>
-    <p:tnLst>
-      <p:par>
-        <p:cTn id="1" dur="indefinite" restart="never" nodeType="tmRoot">
-          <p:childTnLst>
-            <p:seq concurrent="1" nextAc="seek">
-              <p:cTn id="2" dur="indefinite" nodeType="mainSeq">
-                <p:childTnLst>
-                  <p:par>
-                    <p:cTn id="3" fill="hold">
-                      <p:stCondLst>
-                        <p:cond delay="indefinite"/>
-                      </p:stCondLst>
-                      <p:childTnLst>
-                        <p:par>
-                          <p:cTn id="4" fill="hold">
-                            <p:stCondLst>
-                              <p:cond delay="0"/>
-                            </p:stCondLst>
-                            <p:childTnLst>
-                              <p:par>
-                                <p:cTn id="5" presetID="22" presetClass="entr" presetSubtype="8" fill="hold" nodeType="clickEffect">
-                                  <p:stCondLst>
-                                    <p:cond delay="0"/>
-                                  </p:stCondLst>
-                                  <p:childTnLst>
-                                    <p:set>
-                                      <p:cBhvr>
-                                        <p:cTn id="6" dur="1" fill="hold">
-                                          <p:stCondLst>
-                                            <p:cond delay="0"/>
-                                          </p:stCondLst>
-                                        </p:cTn>
-                                        <p:tgtEl>
-                                          <p:spTgt spid="5"/>
-                                        </p:tgtEl>
-                                        <p:attrNameLst>
-                                          <p:attrName>style.visibility</p:attrName>
-                                        </p:attrNameLst>
-                                      </p:cBhvr>
-                                      <p:to>
-                                        <p:strVal val="visible"/>
-                                      </p:to>
-                                    </p:set>
-                                    <p:animEffect transition="in" filter="wipe(left)">
-                                      <p:cBhvr>
-                                        <p:cTn id="7" dur="500"/>
-                                        <p:tgtEl>
-                                          <p:spTgt spid="5"/>
-                                        </p:tgtEl>
-                                      </p:cBhvr>
-                                    </p:animEffect>
-                                  </p:childTnLst>
-                                </p:cTn>
-                              </p:par>
-                              <p:par>
-                                <p:cTn id="8" presetID="22" presetClass="entr" presetSubtype="4" fill="hold" grpId="0" nodeType="withEffect">
-                                  <p:stCondLst>
-                                    <p:cond delay="0"/>
-                                  </p:stCondLst>
-                                  <p:childTnLst>
-                                    <p:set>
-                                      <p:cBhvr>
-                                        <p:cTn id="9" dur="1" fill="hold">
-                                          <p:stCondLst>
-                                            <p:cond delay="0"/>
-                                          </p:stCondLst>
-                                        </p:cTn>
-                                        <p:tgtEl>
-                                          <p:spTgt spid="8"/>
-                                        </p:tgtEl>
-                                        <p:attrNameLst>
-                                          <p:attrName>style.visibility</p:attrName>
-                                        </p:attrNameLst>
-                                      </p:cBhvr>
-                                      <p:to>
-                                        <p:strVal val="visible"/>
-                                      </p:to>
-                                    </p:set>
-                                    <p:animEffect transition="in" filter="wipe(down)">
-                                      <p:cBhvr>
-                                        <p:cTn id="10" dur="500"/>
-                                        <p:tgtEl>
-                                          <p:spTgt spid="8"/>
-                                        </p:tgtEl>
-                                      </p:cBhvr>
-                                    </p:animEffect>
-                                  </p:childTnLst>
-                                </p:cTn>
-                              </p:par>
-                            </p:childTnLst>
-                          </p:cTn>
-                        </p:par>
-                      </p:childTnLst>
-                    </p:cTn>
-                  </p:par>
-                  <p:par>
-                    <p:cTn id="11" fill="hold">
-                      <p:stCondLst>
-                        <p:cond delay="indefinite"/>
-                      </p:stCondLst>
-                      <p:childTnLst>
-                        <p:par>
-                          <p:cTn id="12" fill="hold">
-                            <p:stCondLst>
-                              <p:cond delay="0"/>
-                            </p:stCondLst>
-                            <p:childTnLst>
-                              <p:par>
-                                <p:cTn id="13" presetID="22" presetClass="entr" presetSubtype="4" fill="hold" nodeType="clickEffect">
-                                  <p:stCondLst>
-                                    <p:cond delay="0"/>
-                                  </p:stCondLst>
-                                  <p:childTnLst>
-                                    <p:set>
-                                      <p:cBhvr>
-                                        <p:cTn id="14" dur="1" fill="hold">
-                                          <p:stCondLst>
-                                            <p:cond delay="0"/>
-                                          </p:stCondLst>
-                                        </p:cTn>
-                                        <p:tgtEl>
-                                          <p:spTgt spid="10"/>
-                                        </p:tgtEl>
-                                        <p:attrNameLst>
-                                          <p:attrName>style.visibility</p:attrName>
-                                        </p:attrNameLst>
-                                      </p:cBhvr>
-                                      <p:to>
-                                        <p:strVal val="visible"/>
-                                      </p:to>
-                                    </p:set>
-                                    <p:animEffect transition="in" filter="wipe(down)">
-                                      <p:cBhvr>
-                                        <p:cTn id="15" dur="500"/>
-                                        <p:tgtEl>
-                                          <p:spTgt spid="10"/>
-                                        </p:tgtEl>
-                                      </p:cBhvr>
-                                    </p:animEffect>
-                                  </p:childTnLst>
-                                </p:cTn>
-                              </p:par>
-                              <p:par>
-                                <p:cTn id="16" presetID="22" presetClass="entr" presetSubtype="4" fill="hold" grpId="0" nodeType="withEffect">
-                                  <p:stCondLst>
-                                    <p:cond delay="0"/>
-                                  </p:stCondLst>
-                                  <p:childTnLst>
-                                    <p:set>
-                                      <p:cBhvr>
-                                        <p:cTn id="17" dur="1" fill="hold">
-                                          <p:stCondLst>
-                                            <p:cond delay="0"/>
-                                          </p:stCondLst>
-                                        </p:cTn>
-                                        <p:tgtEl>
-                                          <p:spTgt spid="9"/>
-                                        </p:tgtEl>
-                                        <p:attrNameLst>
-                                          <p:attrName>style.visibility</p:attrName>
-                                        </p:attrNameLst>
-                                      </p:cBhvr>
-                                      <p:to>
-                                        <p:strVal val="visible"/>
-                                      </p:to>
-                                    </p:set>
-                                    <p:animEffect transition="in" filter="wipe(down)">
-                                      <p:cBhvr>
-                                        <p:cTn id="18" dur="500"/>
-                                        <p:tgtEl>
-                                          <p:spTgt spid="9"/>
-                                        </p:tgtEl>
-                                      </p:cBhvr>
-                                    </p:animEffect>
-                                  </p:childTnLst>
-                                </p:cTn>
-                              </p:par>
-                            </p:childTnLst>
-                          </p:cTn>
-                        </p:par>
-                      </p:childTnLst>
-                    </p:cTn>
-                  </p:par>
-                </p:childTnLst>
-              </p:cTn>
-              <p:prevCondLst>
-                <p:cond evt="onPrev" delay="0">
-                  <p:tgtEl>
-                    <p:sldTgt/>
-                  </p:tgtEl>
-                </p:cond>
-              </p:prevCondLst>
-              <p:nextCondLst>
-                <p:cond evt="onNext" delay="0">
-                  <p:tgtEl>
-                    <p:sldTgt/>
-                  </p:tgtEl>
-                </p:cond>
-              </p:nextCondLst>
-            </p:seq>
-          </p:childTnLst>
-        </p:cTn>
-      </p:par>
-    </p:tnLst>
-    <p:bldLst>
-      <p:bldP spid="8" grpId="0" animBg="1"/>
-      <p:bldP spid="9" grpId="0" animBg="1"/>
-    </p:bldLst>
-  </p:timing>
-</p:sld>
-</file>
-
-<file path=ppt/slides/slide11.xml><?xml version="1.0" encoding="utf-8"?>
-<p:sld xmlns:a="http://schemas.openxmlformats.org/drawingml/2006/main" xmlns:r="http://schemas.openxmlformats.org/officeDocument/2006/relationships" xmlns:p="http://schemas.openxmlformats.org/presentationml/2006/main">
-  <p:cSld>
-    <p:spTree>
-      <p:nvGrpSpPr>
-        <p:cNvPr id="1" name=""/>
-        <p:cNvGrpSpPr/>
-        <p:nvPr/>
-      </p:nvGrpSpPr>
-      <p:grpSpPr>
-        <a:xfrm>
-          <a:off x="0" y="0"/>
-          <a:ext cx="0" cy="0"/>
-          <a:chOff x="0" y="0"/>
-          <a:chExt cx="0" cy="0"/>
-        </a:xfrm>
-      </p:grpSpPr>
-      <p:sp>
-        <p:nvSpPr>
-          <p:cNvPr id="5" name="Hình chữ nhật 4">
-            <a:extLst>
-              <a:ext uri="{FF2B5EF4-FFF2-40B4-BE49-F238E27FC236}">
-                <a16:creationId xmlns:a16="http://schemas.microsoft.com/office/drawing/2014/main" id="{A0B56601-3DAC-4086-97EB-DB95276C57EF}"/>
-              </a:ext>
-            </a:extLst>
-          </p:cNvPr>
-          <p:cNvSpPr/>
-          <p:nvPr/>
-        </p:nvSpPr>
-        <p:spPr>
-          <a:xfrm>
-            <a:off x="4920915" y="211757"/>
-            <a:ext cx="2692668" cy="625642"/>
-          </a:xfrm>
-          <a:prstGeom prst="rect">
-            <a:avLst/>
-          </a:prstGeom>
-          <a:solidFill>
-            <a:srgbClr val="008080"/>
-          </a:solidFill>
-        </p:spPr>
-        <p:style>
-          <a:lnRef idx="2">
-            <a:schemeClr val="accent1">
-              <a:shade val="50000"/>
-            </a:schemeClr>
-          </a:lnRef>
-          <a:fillRef idx="1">
-            <a:schemeClr val="accent1"/>
-          </a:fillRef>
-          <a:effectRef idx="0">
-            <a:schemeClr val="accent1"/>
-          </a:effectRef>
-          <a:fontRef idx="minor">
-            <a:schemeClr val="lt1"/>
-          </a:fontRef>
-        </p:style>
-        <p:txBody>
-          <a:bodyPr rtlCol="0" anchor="ctr"/>
-          <a:lstStyle/>
-          <a:p>
-            <a:pPr algn="ctr"/>
-            <a:r>
-              <a:rPr lang="en-US" sz="3600" b="1">
-                <a:effectLst>
-                  <a:outerShdw blurRad="38100" dist="38100" dir="2700000" algn="tl">
-                    <a:srgbClr val="000000">
-                      <a:alpha val="43137"/>
-                    </a:srgbClr>
-                  </a:outerShdw>
-                </a:effectLst>
-              </a:rPr>
-              <a:t>NHÂN VIÊN</a:t>
-            </a:r>
-          </a:p>
-        </p:txBody>
-      </p:sp>
-      <p:pic>
-        <p:nvPicPr>
-          <p:cNvPr id="6" name="Hình ảnh 5">
-            <a:extLst>
-              <a:ext uri="{FF2B5EF4-FFF2-40B4-BE49-F238E27FC236}">
-                <a16:creationId xmlns:a16="http://schemas.microsoft.com/office/drawing/2014/main" id="{CB07C184-BEA5-4DF3-A469-09E92E0CF7E0}"/>
-              </a:ext>
-            </a:extLst>
-          </p:cNvPr>
-          <p:cNvPicPr/>
-          <p:nvPr/>
-        </p:nvPicPr>
-        <p:blipFill>
-          <a:blip r:embed="rId2"/>
-          <a:stretch>
-            <a:fillRect/>
-          </a:stretch>
-        </p:blipFill>
-        <p:spPr>
-          <a:xfrm>
-            <a:off x="2091046" y="955163"/>
-            <a:ext cx="8810502" cy="5303133"/>
-          </a:xfrm>
-          <a:prstGeom prst="rect">
-            <a:avLst/>
-          </a:prstGeom>
-        </p:spPr>
-      </p:pic>
-    </p:spTree>
-    <p:extLst>
-      <p:ext uri="{BB962C8B-B14F-4D97-AF65-F5344CB8AC3E}">
-        <p14:creationId xmlns:p14="http://schemas.microsoft.com/office/powerpoint/2010/main" val="1931850186"/>
-      </p:ext>
-    </p:extLst>
-  </p:cSld>
-  <p:clrMapOvr>
-    <a:masterClrMapping/>
-  </p:clrMapOvr>
-  <mc:AlternateContent xmlns:mc="http://schemas.openxmlformats.org/markup-compatibility/2006" xmlns:p15="http://schemas.microsoft.com/office/powerpoint/2012/main">
-    <mc:Choice Requires="p15">
-      <p:transition xmlns:p14="http://schemas.microsoft.com/office/powerpoint/2010/main" spd="slow" p14:dur="1250">
-        <p15:prstTrans prst="peelOff"/>
-      </p:transition>
-    </mc:Choice>
-    <mc:Fallback xmlns="">
-      <p:transition spd="slow">
-        <p:fade/>
-      </p:transition>
-    </mc:Fallback>
-  </mc:AlternateContent>
-</p:sld>
-</file>
-
-<file path=ppt/slides/slide12.xml><?xml version="1.0" encoding="utf-8"?>
-<p:sld xmlns:a="http://schemas.openxmlformats.org/drawingml/2006/main" xmlns:r="http://schemas.openxmlformats.org/officeDocument/2006/relationships" xmlns:p="http://schemas.openxmlformats.org/presentationml/2006/main">
-  <p:cSld>
-    <p:spTree>
-      <p:nvGrpSpPr>
-        <p:cNvPr id="1" name=""/>
-        <p:cNvGrpSpPr/>
-        <p:nvPr/>
-      </p:nvGrpSpPr>
-      <p:grpSpPr>
-        <a:xfrm>
-          <a:off x="0" y="0"/>
-          <a:ext cx="0" cy="0"/>
-          <a:chOff x="0" y="0"/>
-          <a:chExt cx="0" cy="0"/>
-        </a:xfrm>
-      </p:grpSpPr>
       <p:sp>
         <p:nvSpPr>
           <p:cNvPr id="5" name="Hình chữ nhật 4">
@@ -5093,7 +4543,7 @@
 </p:sld>
 </file>
 
-<file path=ppt/slides/slide13.xml><?xml version="1.0" encoding="utf-8"?>
+<file path=ppt/slides/slide11.xml><?xml version="1.0" encoding="utf-8"?>
 <p:sld xmlns:a="http://schemas.openxmlformats.org/drawingml/2006/main" xmlns:r="http://schemas.openxmlformats.org/officeDocument/2006/relationships" xmlns:p="http://schemas.openxmlformats.org/presentationml/2006/main">
   <p:cSld>
     <p:bg>
@@ -5269,412 +4719,7 @@
 </p:sld>
 </file>
 
-<file path=ppt/slides/slide14.xml><?xml version="1.0" encoding="utf-8"?>
-<p:sld xmlns:a="http://schemas.openxmlformats.org/drawingml/2006/main" xmlns:r="http://schemas.openxmlformats.org/officeDocument/2006/relationships" xmlns:p="http://schemas.openxmlformats.org/presentationml/2006/main">
-  <p:cSld>
-    <p:spTree>
-      <p:nvGrpSpPr>
-        <p:cNvPr id="1" name=""/>
-        <p:cNvGrpSpPr/>
-        <p:nvPr/>
-      </p:nvGrpSpPr>
-      <p:grpSpPr>
-        <a:xfrm>
-          <a:off x="0" y="0"/>
-          <a:ext cx="0" cy="0"/>
-          <a:chOff x="0" y="0"/>
-          <a:chExt cx="0" cy="0"/>
-        </a:xfrm>
-      </p:grpSpPr>
-      <p:sp>
-        <p:nvSpPr>
-          <p:cNvPr id="4" name="Hình chữ nhật 3">
-            <a:extLst>
-              <a:ext uri="{FF2B5EF4-FFF2-40B4-BE49-F238E27FC236}">
-                <a16:creationId xmlns:a16="http://schemas.microsoft.com/office/drawing/2014/main" id="{E6C433BA-60E2-436D-BA87-D9D0176C624E}"/>
-              </a:ext>
-            </a:extLst>
-          </p:cNvPr>
-          <p:cNvSpPr/>
-          <p:nvPr/>
-        </p:nvSpPr>
-        <p:spPr>
-          <a:xfrm>
-            <a:off x="0" y="677464"/>
-            <a:ext cx="12192000" cy="267821"/>
-          </a:xfrm>
-          <a:prstGeom prst="rect">
-            <a:avLst/>
-          </a:prstGeom>
-          <a:solidFill>
-            <a:srgbClr val="002060"/>
-          </a:solidFill>
-          <a:ln>
-            <a:noFill/>
-          </a:ln>
-        </p:spPr>
-        <p:style>
-          <a:lnRef idx="2">
-            <a:schemeClr val="accent1">
-              <a:shade val="50000"/>
-            </a:schemeClr>
-          </a:lnRef>
-          <a:fillRef idx="1">
-            <a:schemeClr val="accent1"/>
-          </a:fillRef>
-          <a:effectRef idx="0">
-            <a:schemeClr val="accent1"/>
-          </a:effectRef>
-          <a:fontRef idx="minor">
-            <a:schemeClr val="lt1"/>
-          </a:fontRef>
-        </p:style>
-        <p:txBody>
-          <a:bodyPr rtlCol="0" anchor="ctr"/>
-          <a:lstStyle/>
-          <a:p>
-            <a:pPr algn="ctr"/>
-            <a:endParaRPr lang="en-US"/>
-          </a:p>
-        </p:txBody>
-      </p:sp>
-      <p:sp>
-        <p:nvSpPr>
-          <p:cNvPr id="5" name="Hộp Văn bản 4">
-            <a:extLst>
-              <a:ext uri="{FF2B5EF4-FFF2-40B4-BE49-F238E27FC236}">
-                <a16:creationId xmlns:a16="http://schemas.microsoft.com/office/drawing/2014/main" id="{0B6EA3C0-8416-43A0-82D9-5AC46FD2DB7A}"/>
-              </a:ext>
-            </a:extLst>
-          </p:cNvPr>
-          <p:cNvSpPr txBox="1"/>
-          <p:nvPr/>
-        </p:nvSpPr>
-        <p:spPr>
-          <a:xfrm>
-            <a:off x="4205097" y="154244"/>
-            <a:ext cx="3781805" cy="523220"/>
-          </a:xfrm>
-          <a:prstGeom prst="rect">
-            <a:avLst/>
-          </a:prstGeom>
-          <a:noFill/>
-        </p:spPr>
-        <p:txBody>
-          <a:bodyPr wrap="none" rtlCol="0">
-            <a:spAutoFit/>
-          </a:bodyPr>
-          <a:lstStyle/>
-          <a:p>
-            <a:r>
-              <a:rPr lang="en-US" sz="2800" b="1">
-                <a:latin typeface="Times New Roman" panose="02020603050405020304" pitchFamily="18" charset="0"/>
-                <a:cs typeface="Times New Roman" panose="02020603050405020304" pitchFamily="18" charset="0"/>
-              </a:rPr>
-              <a:t>Chương 4: KẾT LUẬN</a:t>
-            </a:r>
-          </a:p>
-        </p:txBody>
-      </p:sp>
-      <p:sp>
-        <p:nvSpPr>
-          <p:cNvPr id="3" name="Đám mây 2">
-            <a:extLst>
-              <a:ext uri="{FF2B5EF4-FFF2-40B4-BE49-F238E27FC236}">
-                <a16:creationId xmlns:a16="http://schemas.microsoft.com/office/drawing/2014/main" id="{4A270CF3-CC1F-494E-A5A2-263EA14A9D95}"/>
-              </a:ext>
-            </a:extLst>
-          </p:cNvPr>
-          <p:cNvSpPr/>
-          <p:nvPr/>
-        </p:nvSpPr>
-        <p:spPr>
-          <a:xfrm>
-            <a:off x="710214" y="3544409"/>
-            <a:ext cx="2858610" cy="2423604"/>
-          </a:xfrm>
-          <a:prstGeom prst="cloud">
-            <a:avLst/>
-          </a:prstGeom>
-          <a:solidFill>
-            <a:srgbClr val="002060"/>
-          </a:solidFill>
-          <a:ln>
-            <a:noFill/>
-          </a:ln>
-        </p:spPr>
-        <p:style>
-          <a:lnRef idx="2">
-            <a:schemeClr val="accent1">
-              <a:shade val="50000"/>
-            </a:schemeClr>
-          </a:lnRef>
-          <a:fillRef idx="1">
-            <a:schemeClr val="accent1"/>
-          </a:fillRef>
-          <a:effectRef idx="0">
-            <a:schemeClr val="accent1"/>
-          </a:effectRef>
-          <a:fontRef idx="minor">
-            <a:schemeClr val="lt1"/>
-          </a:fontRef>
-        </p:style>
-        <p:txBody>
-          <a:bodyPr rtlCol="0" anchor="ctr"/>
-          <a:lstStyle/>
-          <a:p>
-            <a:pPr algn="ctr"/>
-            <a:r>
-              <a:rPr lang="en-US" sz="2800" b="1"/>
-              <a:t>Các hạn chế</a:t>
-            </a:r>
-          </a:p>
-        </p:txBody>
-      </p:sp>
-      <p:sp>
-        <p:nvSpPr>
-          <p:cNvPr id="11" name="Đám mây 10">
-            <a:extLst>
-              <a:ext uri="{FF2B5EF4-FFF2-40B4-BE49-F238E27FC236}">
-                <a16:creationId xmlns:a16="http://schemas.microsoft.com/office/drawing/2014/main" id="{49A022D6-DB94-4CD0-A6D4-DB4391B8EE5B}"/>
-              </a:ext>
-            </a:extLst>
-          </p:cNvPr>
-          <p:cNvSpPr/>
-          <p:nvPr/>
-        </p:nvSpPr>
-        <p:spPr>
-          <a:xfrm>
-            <a:off x="4391527" y="1200684"/>
-            <a:ext cx="2858610" cy="2423604"/>
-          </a:xfrm>
-          <a:prstGeom prst="cloud">
-            <a:avLst/>
-          </a:prstGeom>
-          <a:solidFill>
-            <a:srgbClr val="002060"/>
-          </a:solidFill>
-          <a:ln>
-            <a:noFill/>
-          </a:ln>
-        </p:spPr>
-        <p:style>
-          <a:lnRef idx="2">
-            <a:schemeClr val="accent1">
-              <a:shade val="50000"/>
-            </a:schemeClr>
-          </a:lnRef>
-          <a:fillRef idx="1">
-            <a:schemeClr val="accent1"/>
-          </a:fillRef>
-          <a:effectRef idx="0">
-            <a:schemeClr val="accent1"/>
-          </a:effectRef>
-          <a:fontRef idx="minor">
-            <a:schemeClr val="lt1"/>
-          </a:fontRef>
-        </p:style>
-        <p:txBody>
-          <a:bodyPr rtlCol="0" anchor="ctr"/>
-          <a:lstStyle/>
-          <a:p>
-            <a:pPr algn="ctr"/>
-            <a:r>
-              <a:rPr lang="en-US" sz="2800" b="1"/>
-              <a:t>Đóng góp đề tài</a:t>
-            </a:r>
-          </a:p>
-        </p:txBody>
-      </p:sp>
-      <p:sp>
-        <p:nvSpPr>
-          <p:cNvPr id="12" name="Đám mây 11">
-            <a:extLst>
-              <a:ext uri="{FF2B5EF4-FFF2-40B4-BE49-F238E27FC236}">
-                <a16:creationId xmlns:a16="http://schemas.microsoft.com/office/drawing/2014/main" id="{D9A8EC94-0455-4173-B978-43CD0758D8AA}"/>
-              </a:ext>
-            </a:extLst>
-          </p:cNvPr>
-          <p:cNvSpPr/>
-          <p:nvPr/>
-        </p:nvSpPr>
-        <p:spPr>
-          <a:xfrm>
-            <a:off x="8195569" y="3215195"/>
-            <a:ext cx="2858610" cy="2423604"/>
-          </a:xfrm>
-          <a:prstGeom prst="cloud">
-            <a:avLst/>
-          </a:prstGeom>
-          <a:solidFill>
-            <a:srgbClr val="002060"/>
-          </a:solidFill>
-          <a:ln>
-            <a:noFill/>
-          </a:ln>
-        </p:spPr>
-        <p:style>
-          <a:lnRef idx="2">
-            <a:schemeClr val="accent1">
-              <a:shade val="50000"/>
-            </a:schemeClr>
-          </a:lnRef>
-          <a:fillRef idx="1">
-            <a:schemeClr val="accent1"/>
-          </a:fillRef>
-          <a:effectRef idx="0">
-            <a:schemeClr val="accent1"/>
-          </a:effectRef>
-          <a:fontRef idx="minor">
-            <a:schemeClr val="lt1"/>
-          </a:fontRef>
-        </p:style>
-        <p:txBody>
-          <a:bodyPr rtlCol="0" anchor="ctr"/>
-          <a:lstStyle/>
-          <a:p>
-            <a:pPr algn="ctr"/>
-            <a:r>
-              <a:rPr lang="en-US" sz="2800" b="1"/>
-              <a:t>Hướng phát triển</a:t>
-            </a:r>
-          </a:p>
-        </p:txBody>
-      </p:sp>
-      <p:pic>
-        <p:nvPicPr>
-          <p:cNvPr id="7" name="Hình ảnh 6" descr="Question Cat">
-            <a:extLst>
-              <a:ext uri="{FF2B5EF4-FFF2-40B4-BE49-F238E27FC236}">
-                <a16:creationId xmlns:a16="http://schemas.microsoft.com/office/drawing/2014/main" id="{BA0047D4-5072-4F64-ADB8-908068D144F6}"/>
-              </a:ext>
-            </a:extLst>
-          </p:cNvPr>
-          <p:cNvPicPr>
-            <a:picLocks noChangeAspect="1"/>
-          </p:cNvPicPr>
-          <p:nvPr/>
-        </p:nvPicPr>
-        <p:blipFill>
-          <a:blip r:embed="rId2">
-            <a:extLst>
-              <a:ext uri="{28A0092B-C50C-407E-A947-70E740481C1C}">
-                <a14:useLocalDpi xmlns:a14="http://schemas.microsoft.com/office/drawing/2010/main" val="0"/>
-              </a:ext>
-            </a:extLst>
-          </a:blip>
-          <a:stretch>
-            <a:fillRect/>
-          </a:stretch>
-        </p:blipFill>
-        <p:spPr>
-          <a:xfrm>
-            <a:off x="88020" y="4080934"/>
-            <a:ext cx="2099602" cy="2099602"/>
-          </a:xfrm>
-          <a:prstGeom prst="rect">
-            <a:avLst/>
-          </a:prstGeom>
-        </p:spPr>
-      </p:pic>
-      <p:pic>
-        <p:nvPicPr>
-          <p:cNvPr id="14" name="Hình ảnh 13" descr="Careful Cat">
-            <a:extLst>
-              <a:ext uri="{FF2B5EF4-FFF2-40B4-BE49-F238E27FC236}">
-                <a16:creationId xmlns:a16="http://schemas.microsoft.com/office/drawing/2014/main" id="{4BB3F884-5B25-40E6-9910-F068314BF59D}"/>
-              </a:ext>
-            </a:extLst>
-          </p:cNvPr>
-          <p:cNvPicPr>
-            <a:picLocks noChangeAspect="1"/>
-          </p:cNvPicPr>
-          <p:nvPr/>
-        </p:nvPicPr>
-        <p:blipFill>
-          <a:blip r:embed="rId3">
-            <a:extLst>
-              <a:ext uri="{28A0092B-C50C-407E-A947-70E740481C1C}">
-                <a14:useLocalDpi xmlns:a14="http://schemas.microsoft.com/office/drawing/2010/main" val="0"/>
-              </a:ext>
-            </a:extLst>
-          </a:blip>
-          <a:stretch>
-            <a:fillRect/>
-          </a:stretch>
-        </p:blipFill>
-        <p:spPr>
-          <a:xfrm>
-            <a:off x="4901114" y="2587782"/>
-            <a:ext cx="1913253" cy="1913253"/>
-          </a:xfrm>
-          <a:prstGeom prst="rect">
-            <a:avLst/>
-          </a:prstGeom>
-        </p:spPr>
-      </p:pic>
-      <p:pic>
-        <p:nvPicPr>
-          <p:cNvPr id="16" name="Hình ảnh 15" descr="Jump Cat">
-            <a:extLst>
-              <a:ext uri="{FF2B5EF4-FFF2-40B4-BE49-F238E27FC236}">
-                <a16:creationId xmlns:a16="http://schemas.microsoft.com/office/drawing/2014/main" id="{D05E2E33-9313-4D70-8745-D7AFFD7A64D2}"/>
-              </a:ext>
-            </a:extLst>
-          </p:cNvPr>
-          <p:cNvPicPr>
-            <a:picLocks noChangeAspect="1"/>
-          </p:cNvPicPr>
-          <p:nvPr/>
-        </p:nvPicPr>
-        <p:blipFill>
-          <a:blip r:embed="rId4">
-            <a:extLst>
-              <a:ext uri="{28A0092B-C50C-407E-A947-70E740481C1C}">
-                <a14:useLocalDpi xmlns:a14="http://schemas.microsoft.com/office/drawing/2010/main" val="0"/>
-              </a:ext>
-            </a:extLst>
-          </a:blip>
-          <a:stretch>
-            <a:fillRect/>
-          </a:stretch>
-        </p:blipFill>
-        <p:spPr>
-          <a:xfrm>
-            <a:off x="7538566" y="2390129"/>
-            <a:ext cx="2619375" cy="2619375"/>
-          </a:xfrm>
-          <a:prstGeom prst="rect">
-            <a:avLst/>
-          </a:prstGeom>
-        </p:spPr>
-      </p:pic>
-    </p:spTree>
-    <p:extLst>
-      <p:ext uri="{BB962C8B-B14F-4D97-AF65-F5344CB8AC3E}">
-        <p14:creationId xmlns:p14="http://schemas.microsoft.com/office/powerpoint/2010/main" val="2645391512"/>
-      </p:ext>
-    </p:extLst>
-  </p:cSld>
-  <p:clrMapOvr>
-    <a:masterClrMapping/>
-  </p:clrMapOvr>
-  <mc:AlternateContent xmlns:mc="http://schemas.openxmlformats.org/markup-compatibility/2006" xmlns:p15="http://schemas.microsoft.com/office/powerpoint/2012/main">
-    <mc:Choice Requires="p15">
-      <p:transition xmlns:p14="http://schemas.microsoft.com/office/powerpoint/2010/main" spd="slow" p14:dur="1250">
-        <p15:prstTrans prst="pageCurlDouble"/>
-      </p:transition>
-    </mc:Choice>
-    <mc:Fallback xmlns="">
-      <p:transition spd="slow">
-        <p:fade/>
-      </p:transition>
-    </mc:Fallback>
-  </mc:AlternateContent>
-</p:sld>
-</file>
-
-<file path=ppt/slides/slide15.xml><?xml version="1.0" encoding="utf-8"?>
+<file path=ppt/slides/slide12.xml><?xml version="1.0" encoding="utf-8"?>
 <p:sld xmlns:a="http://schemas.openxmlformats.org/drawingml/2006/main" xmlns:r="http://schemas.openxmlformats.org/officeDocument/2006/relationships" xmlns:p="http://schemas.openxmlformats.org/presentationml/2006/main">
   <p:cSld>
     <p:spTree>
@@ -6427,14 +5472,6 @@
 <file path=ppt/slides/slide3.xml><?xml version="1.0" encoding="utf-8"?>
 <p:sld xmlns:a="http://schemas.openxmlformats.org/drawingml/2006/main" xmlns:r="http://schemas.openxmlformats.org/officeDocument/2006/relationships" xmlns:p="http://schemas.openxmlformats.org/presentationml/2006/main">
   <p:cSld>
-    <p:bg>
-      <p:bgPr>
-        <a:solidFill>
-          <a:schemeClr val="bg1"/>
-        </a:solidFill>
-        <a:effectLst/>
-      </p:bgPr>
-    </p:bg>
     <p:spTree>
       <p:nvGrpSpPr>
         <p:cNvPr id="1" name=""/>
@@ -6449,13 +5486,96 @@
           <a:chExt cx="0" cy="0"/>
         </a:xfrm>
       </p:grpSpPr>
-      <p:sp>
-        <p:nvSpPr>
-          <p:cNvPr id="17" name="Hình chữ nhật 16">
-            <a:hlinkClick r:id="rId2" action="ppaction://hlinksldjump"/>
-            <a:extLst>
-              <a:ext uri="{FF2B5EF4-FFF2-40B4-BE49-F238E27FC236}">
-                <a16:creationId xmlns:a16="http://schemas.microsoft.com/office/drawing/2014/main" id="{62C12642-FDD6-49C1-A6A4-57C539661285}"/>
+      <p:pic>
+        <p:nvPicPr>
+          <p:cNvPr id="6" name="Picture 5">
+            <a:extLst>
+              <a:ext uri="{FF2B5EF4-FFF2-40B4-BE49-F238E27FC236}">
+                <a16:creationId xmlns:a16="http://schemas.microsoft.com/office/drawing/2014/main" id="{584EC68E-B80D-4B83-9937-67B944A66BE7}"/>
+              </a:ext>
+            </a:extLst>
+          </p:cNvPr>
+          <p:cNvPicPr/>
+          <p:nvPr/>
+        </p:nvPicPr>
+        <p:blipFill>
+          <a:blip r:embed="rId2"/>
+          <a:stretch>
+            <a:fillRect/>
+          </a:stretch>
+        </p:blipFill>
+        <p:spPr>
+          <a:xfrm>
+            <a:off x="864171" y="1838197"/>
+            <a:ext cx="2197735" cy="561975"/>
+          </a:xfrm>
+          <a:prstGeom prst="rect">
+            <a:avLst/>
+          </a:prstGeom>
+        </p:spPr>
+      </p:pic>
+      <p:pic>
+        <p:nvPicPr>
+          <p:cNvPr id="7" name="Picture 6">
+            <a:extLst>
+              <a:ext uri="{FF2B5EF4-FFF2-40B4-BE49-F238E27FC236}">
+                <a16:creationId xmlns:a16="http://schemas.microsoft.com/office/drawing/2014/main" id="{7961E1AE-954F-4AAF-B150-837D4136A2C7}"/>
+              </a:ext>
+            </a:extLst>
+          </p:cNvPr>
+          <p:cNvPicPr/>
+          <p:nvPr/>
+        </p:nvPicPr>
+        <p:blipFill>
+          <a:blip r:embed="rId3"/>
+          <a:stretch>
+            <a:fillRect/>
+          </a:stretch>
+        </p:blipFill>
+        <p:spPr>
+          <a:xfrm>
+            <a:off x="4492561" y="1838197"/>
+            <a:ext cx="2409825" cy="3401060"/>
+          </a:xfrm>
+          <a:prstGeom prst="rect">
+            <a:avLst/>
+          </a:prstGeom>
+        </p:spPr>
+      </p:pic>
+      <p:pic>
+        <p:nvPicPr>
+          <p:cNvPr id="8" name="Picture 7">
+            <a:extLst>
+              <a:ext uri="{FF2B5EF4-FFF2-40B4-BE49-F238E27FC236}">
+                <a16:creationId xmlns:a16="http://schemas.microsoft.com/office/drawing/2014/main" id="{B2031DDF-C59F-4CC1-80BE-4AC0401A755B}"/>
+              </a:ext>
+            </a:extLst>
+          </p:cNvPr>
+          <p:cNvPicPr/>
+          <p:nvPr/>
+        </p:nvPicPr>
+        <p:blipFill>
+          <a:blip r:embed="rId4"/>
+          <a:stretch>
+            <a:fillRect/>
+          </a:stretch>
+        </p:blipFill>
+        <p:spPr>
+          <a:xfrm>
+            <a:off x="8333041" y="1838197"/>
+            <a:ext cx="2219325" cy="3522345"/>
+          </a:xfrm>
+          <a:prstGeom prst="rect">
+            <a:avLst/>
+          </a:prstGeom>
+        </p:spPr>
+      </p:pic>
+      <p:sp>
+        <p:nvSpPr>
+          <p:cNvPr id="11" name="Hình chữ nhật 4">
+            <a:extLst>
+              <a:ext uri="{FF2B5EF4-FFF2-40B4-BE49-F238E27FC236}">
+                <a16:creationId xmlns:a16="http://schemas.microsoft.com/office/drawing/2014/main" id="{D89FF5E8-832D-4B0F-B41B-BD9FB03595D5}"/>
               </a:ext>
             </a:extLst>
           </p:cNvPr>
@@ -6464,8 +5584,8 @@
         </p:nvSpPr>
         <p:spPr>
           <a:xfrm>
-            <a:off x="8201891" y="1758162"/>
-            <a:ext cx="3565236" cy="4422374"/>
+            <a:off x="4125372" y="513509"/>
+            <a:ext cx="3144202" cy="625642"/>
           </a:xfrm>
           <a:prstGeom prst="rect">
             <a:avLst/>
@@ -6473,9 +5593,6 @@
           <a:solidFill>
             <a:srgbClr val="008080"/>
           </a:solidFill>
-          <a:ln>
-            <a:noFill/>
-          </a:ln>
         </p:spPr>
         <p:style>
           <a:lnRef idx="2">
@@ -6498,526 +5615,8 @@
           <a:lstStyle/>
           <a:p>
             <a:pPr algn="ctr"/>
-            <a:endParaRPr lang="en-US"/>
-          </a:p>
-        </p:txBody>
-      </p:sp>
-      <p:sp>
-        <p:nvSpPr>
-          <p:cNvPr id="16" name="Hình chữ nhật 15">
-            <a:hlinkClick r:id="rId3" action="ppaction://hlinksldjump"/>
-            <a:extLst>
-              <a:ext uri="{FF2B5EF4-FFF2-40B4-BE49-F238E27FC236}">
-                <a16:creationId xmlns:a16="http://schemas.microsoft.com/office/drawing/2014/main" id="{325D2FD7-295E-4A7B-AFF7-471D49594E80}"/>
-              </a:ext>
-            </a:extLst>
-          </p:cNvPr>
-          <p:cNvSpPr/>
-          <p:nvPr/>
-        </p:nvSpPr>
-        <p:spPr>
-          <a:xfrm>
-            <a:off x="4313382" y="1758162"/>
-            <a:ext cx="3565236" cy="4422374"/>
-          </a:xfrm>
-          <a:prstGeom prst="rect">
-            <a:avLst/>
-          </a:prstGeom>
-          <a:solidFill>
-            <a:srgbClr val="008080"/>
-          </a:solidFill>
-          <a:ln>
-            <a:noFill/>
-          </a:ln>
-        </p:spPr>
-        <p:style>
-          <a:lnRef idx="2">
-            <a:schemeClr val="accent1">
-              <a:shade val="50000"/>
-            </a:schemeClr>
-          </a:lnRef>
-          <a:fillRef idx="1">
-            <a:schemeClr val="accent1"/>
-          </a:fillRef>
-          <a:effectRef idx="0">
-            <a:schemeClr val="accent1"/>
-          </a:effectRef>
-          <a:fontRef idx="minor">
-            <a:schemeClr val="lt1"/>
-          </a:fontRef>
-        </p:style>
-        <p:txBody>
-          <a:bodyPr rtlCol="0" anchor="ctr"/>
-          <a:lstStyle/>
-          <a:p>
-            <a:pPr algn="ctr"/>
-            <a:endParaRPr lang="en-US"/>
-          </a:p>
-        </p:txBody>
-      </p:sp>
-      <p:sp>
-        <p:nvSpPr>
-          <p:cNvPr id="15" name="Hình chữ nhật 14">
-            <a:hlinkClick r:id="rId4" action="ppaction://hlinksldjump"/>
-            <a:extLst>
-              <a:ext uri="{FF2B5EF4-FFF2-40B4-BE49-F238E27FC236}">
-                <a16:creationId xmlns:a16="http://schemas.microsoft.com/office/drawing/2014/main" id="{406B4F9A-C951-4226-9C35-46715440A842}"/>
-              </a:ext>
-            </a:extLst>
-          </p:cNvPr>
-          <p:cNvSpPr/>
-          <p:nvPr/>
-        </p:nvSpPr>
-        <p:spPr>
-          <a:xfrm>
-            <a:off x="424873" y="1758162"/>
-            <a:ext cx="3565236" cy="4422374"/>
-          </a:xfrm>
-          <a:prstGeom prst="rect">
-            <a:avLst/>
-          </a:prstGeom>
-          <a:solidFill>
-            <a:srgbClr val="008080"/>
-          </a:solidFill>
-          <a:ln>
-            <a:noFill/>
-          </a:ln>
-        </p:spPr>
-        <p:style>
-          <a:lnRef idx="2">
-            <a:schemeClr val="accent1">
-              <a:shade val="50000"/>
-            </a:schemeClr>
-          </a:lnRef>
-          <a:fillRef idx="1">
-            <a:schemeClr val="accent1"/>
-          </a:fillRef>
-          <a:effectRef idx="0">
-            <a:schemeClr val="accent1"/>
-          </a:effectRef>
-          <a:fontRef idx="minor">
-            <a:schemeClr val="lt1"/>
-          </a:fontRef>
-        </p:style>
-        <p:txBody>
-          <a:bodyPr rtlCol="0" anchor="ctr"/>
-          <a:lstStyle/>
-          <a:p>
-            <a:pPr algn="ctr"/>
-            <a:endParaRPr lang="en-US"/>
-          </a:p>
-        </p:txBody>
-      </p:sp>
-      <p:sp>
-        <p:nvSpPr>
-          <p:cNvPr id="4" name="Hình chữ nhật 3">
-            <a:extLst>
-              <a:ext uri="{FF2B5EF4-FFF2-40B4-BE49-F238E27FC236}">
-                <a16:creationId xmlns:a16="http://schemas.microsoft.com/office/drawing/2014/main" id="{5796ACFC-A227-48DC-A1E2-8AA12D6AA7A1}"/>
-              </a:ext>
-            </a:extLst>
-          </p:cNvPr>
-          <p:cNvSpPr/>
-          <p:nvPr/>
-        </p:nvSpPr>
-        <p:spPr>
-          <a:xfrm>
-            <a:off x="0" y="677464"/>
-            <a:ext cx="12192000" cy="267821"/>
-          </a:xfrm>
-          <a:prstGeom prst="rect">
-            <a:avLst/>
-          </a:prstGeom>
-          <a:solidFill>
-            <a:srgbClr val="008080"/>
-          </a:solidFill>
-          <a:ln>
-            <a:noFill/>
-          </a:ln>
-        </p:spPr>
-        <p:style>
-          <a:lnRef idx="2">
-            <a:schemeClr val="accent1">
-              <a:shade val="50000"/>
-            </a:schemeClr>
-          </a:lnRef>
-          <a:fillRef idx="1">
-            <a:schemeClr val="accent1"/>
-          </a:fillRef>
-          <a:effectRef idx="0">
-            <a:schemeClr val="accent1"/>
-          </a:effectRef>
-          <a:fontRef idx="minor">
-            <a:schemeClr val="lt1"/>
-          </a:fontRef>
-        </p:style>
-        <p:txBody>
-          <a:bodyPr rtlCol="0" anchor="ctr"/>
-          <a:lstStyle/>
-          <a:p>
-            <a:pPr algn="ctr"/>
-            <a:endParaRPr lang="en-US"/>
-          </a:p>
-        </p:txBody>
-      </p:sp>
-      <p:sp>
-        <p:nvSpPr>
-          <p:cNvPr id="5" name="Hộp Văn bản 4">
-            <a:extLst>
-              <a:ext uri="{FF2B5EF4-FFF2-40B4-BE49-F238E27FC236}">
-                <a16:creationId xmlns:a16="http://schemas.microsoft.com/office/drawing/2014/main" id="{7FFCDEB6-5FA5-4685-9A9D-A9FA562729D3}"/>
-              </a:ext>
-            </a:extLst>
-          </p:cNvPr>
-          <p:cNvSpPr txBox="1"/>
-          <p:nvPr/>
-        </p:nvSpPr>
-        <p:spPr>
-          <a:xfrm>
-            <a:off x="3990109" y="140395"/>
-            <a:ext cx="4624728" cy="523220"/>
-          </a:xfrm>
-          <a:prstGeom prst="rect">
-            <a:avLst/>
-          </a:prstGeom>
-          <a:noFill/>
-        </p:spPr>
-        <p:txBody>
-          <a:bodyPr wrap="none" rtlCol="0">
-            <a:spAutoFit/>
-          </a:bodyPr>
-          <a:lstStyle/>
-          <a:p>
-            <a:r>
-              <a:rPr lang="en-US" sz="2800" b="1">
-                <a:latin typeface="Times New Roman" panose="02020603050405020304" pitchFamily="18" charset="0"/>
-                <a:cs typeface="Times New Roman" panose="02020603050405020304" pitchFamily="18" charset="0"/>
-              </a:rPr>
-              <a:t>PHÂN TÍCH VÀ THIẾT KẾ</a:t>
-            </a:r>
-          </a:p>
-        </p:txBody>
-      </p:sp>
-      <p:sp>
-        <p:nvSpPr>
-          <p:cNvPr id="3" name="Hộp Văn bản 2">
-            <a:extLst>
-              <a:ext uri="{FF2B5EF4-FFF2-40B4-BE49-F238E27FC236}">
-                <a16:creationId xmlns:a16="http://schemas.microsoft.com/office/drawing/2014/main" id="{9227EFE8-079D-4BF4-8C65-CAAAC5371BBD}"/>
-              </a:ext>
-            </a:extLst>
-          </p:cNvPr>
-          <p:cNvSpPr txBox="1"/>
-          <p:nvPr/>
-        </p:nvSpPr>
-        <p:spPr>
-          <a:xfrm>
-            <a:off x="511621" y="3007163"/>
-            <a:ext cx="3391740" cy="1077218"/>
-          </a:xfrm>
-          <a:prstGeom prst="rect">
-            <a:avLst/>
-          </a:prstGeom>
-          <a:noFill/>
-        </p:spPr>
-        <p:txBody>
-          <a:bodyPr wrap="square" rtlCol="0">
-            <a:spAutoFit/>
-          </a:bodyPr>
-          <a:lstStyle/>
-          <a:p>
-            <a:pPr algn="ctr"/>
-            <a:r>
-              <a:rPr lang="en-US" sz="3200" b="1">
-                <a:solidFill>
-                  <a:schemeClr val="bg1"/>
-                </a:solidFill>
-              </a:rPr>
-              <a:t>Sơ đồ Use Case tổng quát</a:t>
-            </a:r>
-          </a:p>
-        </p:txBody>
-      </p:sp>
-      <p:sp>
-        <p:nvSpPr>
-          <p:cNvPr id="13" name="Hộp Văn bản 12">
-            <a:extLst>
-              <a:ext uri="{FF2B5EF4-FFF2-40B4-BE49-F238E27FC236}">
-                <a16:creationId xmlns:a16="http://schemas.microsoft.com/office/drawing/2014/main" id="{167658A8-8EA3-4A37-AADC-FC6B3420DF97}"/>
-              </a:ext>
-            </a:extLst>
-          </p:cNvPr>
-          <p:cNvSpPr txBox="1"/>
-          <p:nvPr/>
-        </p:nvSpPr>
-        <p:spPr>
-          <a:xfrm>
-            <a:off x="5373687" y="3448438"/>
-            <a:ext cx="1611916" cy="584775"/>
-          </a:xfrm>
-          <a:prstGeom prst="rect">
-            <a:avLst/>
-          </a:prstGeom>
-          <a:noFill/>
-        </p:spPr>
-        <p:txBody>
-          <a:bodyPr wrap="none" rtlCol="0">
-            <a:spAutoFit/>
-          </a:bodyPr>
-          <a:lstStyle/>
-          <a:p>
-            <a:r>
-              <a:rPr lang="en-US" sz="3200" b="1">
-                <a:solidFill>
-                  <a:schemeClr val="bg1"/>
-                </a:solidFill>
-              </a:rPr>
-              <a:t>Diagram</a:t>
-            </a:r>
-          </a:p>
-        </p:txBody>
-      </p:sp>
-      <p:sp>
-        <p:nvSpPr>
-          <p:cNvPr id="14" name="Hộp Văn bản 13">
-            <a:extLst>
-              <a:ext uri="{FF2B5EF4-FFF2-40B4-BE49-F238E27FC236}">
-                <a16:creationId xmlns:a16="http://schemas.microsoft.com/office/drawing/2014/main" id="{32854152-0635-4B5C-B672-AFB0C75E8ECB}"/>
-              </a:ext>
-            </a:extLst>
-          </p:cNvPr>
-          <p:cNvSpPr txBox="1"/>
-          <p:nvPr/>
-        </p:nvSpPr>
-        <p:spPr>
-          <a:xfrm>
-            <a:off x="9061019" y="3429000"/>
-            <a:ext cx="1810111" cy="584775"/>
-          </a:xfrm>
-          <a:prstGeom prst="rect">
-            <a:avLst/>
-          </a:prstGeom>
-          <a:noFill/>
-        </p:spPr>
-        <p:txBody>
-          <a:bodyPr wrap="none" rtlCol="0">
-            <a:spAutoFit/>
-          </a:bodyPr>
-          <a:lstStyle/>
-          <a:p>
-            <a:r>
-              <a:rPr lang="en-US" sz="3200" b="1">
-                <a:solidFill>
-                  <a:schemeClr val="bg1"/>
-                </a:solidFill>
-              </a:rPr>
-              <a:t>Giao diện</a:t>
-            </a:r>
-          </a:p>
-        </p:txBody>
-      </p:sp>
-      <p:pic>
-        <p:nvPicPr>
-          <p:cNvPr id="6" name="Hình ảnh 5" descr="Lick Paw Cat">
-            <a:hlinkClick r:id="rId2" action="ppaction://hlinksldjump"/>
-            <a:extLst>
-              <a:ext uri="{FF2B5EF4-FFF2-40B4-BE49-F238E27FC236}">
-                <a16:creationId xmlns:a16="http://schemas.microsoft.com/office/drawing/2014/main" id="{2ED6C281-4EB2-4037-B8FC-33EED4D7938F}"/>
-              </a:ext>
-            </a:extLst>
-          </p:cNvPr>
-          <p:cNvPicPr>
-            <a:picLocks noChangeAspect="1"/>
-          </p:cNvPicPr>
-          <p:nvPr/>
-        </p:nvPicPr>
-        <p:blipFill>
-          <a:blip r:embed="rId5">
-            <a:extLst>
-              <a:ext uri="{28A0092B-C50C-407E-A947-70E740481C1C}">
-                <a14:useLocalDpi xmlns:a14="http://schemas.microsoft.com/office/drawing/2010/main" val="0"/>
-              </a:ext>
-            </a:extLst>
-          </a:blip>
-          <a:stretch>
-            <a:fillRect/>
-          </a:stretch>
-        </p:blipFill>
-        <p:spPr>
-          <a:xfrm>
-            <a:off x="8920696" y="4091828"/>
-            <a:ext cx="2619375" cy="2619375"/>
-          </a:xfrm>
-          <a:prstGeom prst="rect">
-            <a:avLst/>
-          </a:prstGeom>
-        </p:spPr>
-      </p:pic>
-      <p:pic>
-        <p:nvPicPr>
-          <p:cNvPr id="8" name="Hình ảnh 7" descr="Love Cat">
-            <a:hlinkClick r:id="rId3" action="ppaction://hlinksldjump"/>
-            <a:extLst>
-              <a:ext uri="{FF2B5EF4-FFF2-40B4-BE49-F238E27FC236}">
-                <a16:creationId xmlns:a16="http://schemas.microsoft.com/office/drawing/2014/main" id="{0C721CDF-9FD9-4A6B-A2C3-4A89E9D8315F}"/>
-              </a:ext>
-            </a:extLst>
-          </p:cNvPr>
-          <p:cNvPicPr>
-            <a:picLocks noChangeAspect="1"/>
-          </p:cNvPicPr>
-          <p:nvPr/>
-        </p:nvPicPr>
-        <p:blipFill>
-          <a:blip r:embed="rId6">
-            <a:extLst>
-              <a:ext uri="{28A0092B-C50C-407E-A947-70E740481C1C}">
-                <a14:useLocalDpi xmlns:a14="http://schemas.microsoft.com/office/drawing/2010/main" val="0"/>
-              </a:ext>
-            </a:extLst>
-          </a:blip>
-          <a:stretch>
-            <a:fillRect/>
-          </a:stretch>
-        </p:blipFill>
-        <p:spPr>
-          <a:xfrm>
-            <a:off x="4869957" y="4084381"/>
-            <a:ext cx="2619375" cy="2619375"/>
-          </a:xfrm>
-          <a:prstGeom prst="rect">
-            <a:avLst/>
-          </a:prstGeom>
-        </p:spPr>
-      </p:pic>
-      <p:pic>
-        <p:nvPicPr>
-          <p:cNvPr id="11" name="Hình ảnh 10" descr="Office Chair Cat">
-            <a:hlinkClick r:id="rId4" action="ppaction://hlinksldjump"/>
-            <a:extLst>
-              <a:ext uri="{FF2B5EF4-FFF2-40B4-BE49-F238E27FC236}">
-                <a16:creationId xmlns:a16="http://schemas.microsoft.com/office/drawing/2014/main" id="{FEAAD658-9BC4-49E4-B1D3-0190E84E9CC5}"/>
-              </a:ext>
-            </a:extLst>
-          </p:cNvPr>
-          <p:cNvPicPr>
-            <a:picLocks noChangeAspect="1"/>
-          </p:cNvPicPr>
-          <p:nvPr/>
-        </p:nvPicPr>
-        <p:blipFill>
-          <a:blip r:embed="rId7">
-            <a:extLst>
-              <a:ext uri="{28A0092B-C50C-407E-A947-70E740481C1C}">
-                <a14:useLocalDpi xmlns:a14="http://schemas.microsoft.com/office/drawing/2010/main" val="0"/>
-              </a:ext>
-            </a:extLst>
-          </a:blip>
-          <a:stretch>
-            <a:fillRect/>
-          </a:stretch>
-        </p:blipFill>
-        <p:spPr>
-          <a:xfrm>
-            <a:off x="932250" y="4238625"/>
-            <a:ext cx="2619375" cy="2619375"/>
-          </a:xfrm>
-          <a:prstGeom prst="rect">
-            <a:avLst/>
-          </a:prstGeom>
-        </p:spPr>
-      </p:pic>
-    </p:spTree>
-    <p:extLst>
-      <p:ext uri="{BB962C8B-B14F-4D97-AF65-F5344CB8AC3E}">
-        <p14:creationId xmlns:p14="http://schemas.microsoft.com/office/powerpoint/2010/main" val="450605481"/>
-      </p:ext>
-    </p:extLst>
-  </p:cSld>
-  <p:clrMapOvr>
-    <a:masterClrMapping/>
-  </p:clrMapOvr>
-  <p:transition spd="slow">
-    <p:push dir="u"/>
-  </p:transition>
-</p:sld>
-</file>
-
-<file path=ppt/slides/slide4.xml><?xml version="1.0" encoding="utf-8"?>
-<p:sld xmlns:a="http://schemas.openxmlformats.org/drawingml/2006/main" xmlns:r="http://schemas.openxmlformats.org/officeDocument/2006/relationships" xmlns:p="http://schemas.openxmlformats.org/presentationml/2006/main">
-  <p:cSld>
-    <p:spTree>
-      <p:nvGrpSpPr>
-        <p:cNvPr id="1" name=""/>
-        <p:cNvGrpSpPr/>
-        <p:nvPr/>
-      </p:nvGrpSpPr>
-      <p:grpSpPr>
-        <a:xfrm>
-          <a:off x="0" y="0"/>
-          <a:ext cx="0" cy="0"/>
-          <a:chOff x="0" y="0"/>
-          <a:chExt cx="0" cy="0"/>
-        </a:xfrm>
-      </p:grpSpPr>
-      <p:pic>
-        <p:nvPicPr>
-          <p:cNvPr id="5" name="Picture 12">
-            <a:extLst>
-              <a:ext uri="{FF2B5EF4-FFF2-40B4-BE49-F238E27FC236}">
-                <a16:creationId xmlns:a16="http://schemas.microsoft.com/office/drawing/2014/main" id="{0F26926A-75F0-4987-8882-147AD5B4179E}"/>
-              </a:ext>
-            </a:extLst>
-          </p:cNvPr>
-          <p:cNvPicPr/>
-          <p:nvPr/>
-        </p:nvPicPr>
-        <p:blipFill>
-          <a:blip r:embed="rId2"/>
-          <a:stretch>
-            <a:fillRect/>
-          </a:stretch>
-        </p:blipFill>
-        <p:spPr>
-          <a:xfrm>
-            <a:off x="656948" y="669547"/>
-            <a:ext cx="11061577" cy="5980572"/>
-          </a:xfrm>
-          <a:prstGeom prst="rect">
-            <a:avLst/>
-          </a:prstGeom>
-        </p:spPr>
-      </p:pic>
-      <p:sp>
-        <p:nvSpPr>
-          <p:cNvPr id="6" name="Hộp Văn bản 5">
-            <a:extLst>
-              <a:ext uri="{FF2B5EF4-FFF2-40B4-BE49-F238E27FC236}">
-                <a16:creationId xmlns:a16="http://schemas.microsoft.com/office/drawing/2014/main" id="{F6EACE2B-975A-4D0A-BFBE-56AF83D8E664}"/>
-              </a:ext>
-            </a:extLst>
-          </p:cNvPr>
-          <p:cNvSpPr txBox="1"/>
-          <p:nvPr/>
-        </p:nvSpPr>
-        <p:spPr>
-          <a:xfrm>
-            <a:off x="249380" y="207881"/>
-            <a:ext cx="3800106" cy="461666"/>
-          </a:xfrm>
-          <a:prstGeom prst="rect">
-            <a:avLst/>
-          </a:prstGeom>
-          <a:noFill/>
-        </p:spPr>
-        <p:txBody>
-          <a:bodyPr wrap="square">
-            <a:spAutoFit/>
-          </a:bodyPr>
-          <a:lstStyle/>
-          <a:p>
-            <a:r>
-              <a:rPr lang="en-US" sz="2400" b="1" u="sng">
+            <a:r>
+              <a:rPr lang="en-US" sz="3600" b="1" dirty="0" err="1">
                 <a:effectLst>
                   <a:outerShdw blurRad="38100" dist="38100" dir="2700000" algn="tl">
                     <a:srgbClr val="000000">
@@ -7025,114 +5624,11 @@
                     </a:srgbClr>
                   </a:outerShdw>
                 </a:effectLst>
-                <a:latin typeface="Times New Roman" panose="02020603050405020304" pitchFamily="18" charset="0"/>
-                <a:cs typeface="Times New Roman" panose="02020603050405020304" pitchFamily="18" charset="0"/>
               </a:rPr>
-              <a:t>Sơ đồ use case tổng quát</a:t>
-            </a:r>
-          </a:p>
-        </p:txBody>
-      </p:sp>
-    </p:spTree>
-    <p:extLst>
-      <p:ext uri="{BB962C8B-B14F-4D97-AF65-F5344CB8AC3E}">
-        <p14:creationId xmlns:p14="http://schemas.microsoft.com/office/powerpoint/2010/main" val="597452421"/>
-      </p:ext>
-    </p:extLst>
-  </p:cSld>
-  <p:clrMapOvr>
-    <a:masterClrMapping/>
-  </p:clrMapOvr>
-  <mc:AlternateContent xmlns:mc="http://schemas.openxmlformats.org/markup-compatibility/2006" xmlns:p14="http://schemas.microsoft.com/office/powerpoint/2010/main">
-    <mc:Choice Requires="p14">
-      <p:transition spd="slow" p14:dur="1500">
-        <p:split orient="vert"/>
-      </p:transition>
-    </mc:Choice>
-    <mc:Fallback xmlns="">
-      <p:transition spd="slow">
-        <p:split orient="vert"/>
-      </p:transition>
-    </mc:Fallback>
-  </mc:AlternateContent>
-</p:sld>
-</file>
-
-<file path=ppt/slides/slide5.xml><?xml version="1.0" encoding="utf-8"?>
-<p:sld xmlns:a="http://schemas.openxmlformats.org/drawingml/2006/main" xmlns:r="http://schemas.openxmlformats.org/officeDocument/2006/relationships" xmlns:p="http://schemas.openxmlformats.org/presentationml/2006/main">
-  <p:cSld>
-    <p:spTree>
-      <p:nvGrpSpPr>
-        <p:cNvPr id="1" name=""/>
-        <p:cNvGrpSpPr/>
-        <p:nvPr/>
-      </p:nvGrpSpPr>
-      <p:grpSpPr>
-        <a:xfrm>
-          <a:off x="0" y="0"/>
-          <a:ext cx="0" cy="0"/>
-          <a:chOff x="0" y="0"/>
-          <a:chExt cx="0" cy="0"/>
-        </a:xfrm>
-      </p:grpSpPr>
-      <p:pic>
-        <p:nvPicPr>
-          <p:cNvPr id="7" name="Hình ảnh 6">
-            <a:extLst>
-              <a:ext uri="{FF2B5EF4-FFF2-40B4-BE49-F238E27FC236}">
-                <a16:creationId xmlns:a16="http://schemas.microsoft.com/office/drawing/2014/main" id="{16F18DB3-60EA-4A98-BE96-FBB8D7932A3E}"/>
-              </a:ext>
-            </a:extLst>
-          </p:cNvPr>
-          <p:cNvPicPr/>
-          <p:nvPr/>
-        </p:nvPicPr>
-        <p:blipFill>
-          <a:blip r:embed="rId2"/>
-          <a:stretch>
-            <a:fillRect/>
-          </a:stretch>
-        </p:blipFill>
-        <p:spPr>
-          <a:xfrm>
-            <a:off x="524185" y="226352"/>
-            <a:ext cx="10723823" cy="6631648"/>
-          </a:xfrm>
-          <a:prstGeom prst="rect">
-            <a:avLst/>
-          </a:prstGeom>
-        </p:spPr>
-      </p:pic>
-      <p:sp>
-        <p:nvSpPr>
-          <p:cNvPr id="6" name="Hộp Văn bản 5">
-            <a:extLst>
-              <a:ext uri="{FF2B5EF4-FFF2-40B4-BE49-F238E27FC236}">
-                <a16:creationId xmlns:a16="http://schemas.microsoft.com/office/drawing/2014/main" id="{D5D843B3-4070-4068-B217-1B49A9749CE9}"/>
-              </a:ext>
-            </a:extLst>
-          </p:cNvPr>
-          <p:cNvSpPr txBox="1"/>
-          <p:nvPr/>
-        </p:nvSpPr>
-        <p:spPr>
-          <a:xfrm>
-            <a:off x="249382" y="226352"/>
-            <a:ext cx="1671782" cy="461665"/>
-          </a:xfrm>
-          <a:prstGeom prst="rect">
-            <a:avLst/>
-          </a:prstGeom>
-          <a:noFill/>
-        </p:spPr>
-        <p:txBody>
-          <a:bodyPr wrap="square">
-            <a:spAutoFit/>
-          </a:bodyPr>
-          <a:lstStyle/>
-          <a:p>
-            <a:r>
-              <a:rPr lang="en-US" sz="2400" b="1" u="sng">
+              <a:t>Mô</a:t>
+            </a:r>
+            <a:r>
+              <a:rPr lang="en-US" sz="3600" b="1" dirty="0">
                 <a:effectLst>
                   <a:outerShdw blurRad="38100" dist="38100" dir="2700000" algn="tl">
                     <a:srgbClr val="000000">
@@ -7140,10 +5636,32 @@
                     </a:srgbClr>
                   </a:outerShdw>
                 </a:effectLst>
-                <a:latin typeface="Times New Roman" panose="02020603050405020304" pitchFamily="18" charset="0"/>
-                <a:cs typeface="Times New Roman" panose="02020603050405020304" pitchFamily="18" charset="0"/>
               </a:rPr>
-              <a:t>Diagram</a:t>
+              <a:t> </a:t>
+            </a:r>
+            <a:r>
+              <a:rPr lang="en-US" sz="3600" b="1" dirty="0" err="1">
+                <a:effectLst>
+                  <a:outerShdw blurRad="38100" dist="38100" dir="2700000" algn="tl">
+                    <a:srgbClr val="000000">
+                      <a:alpha val="43137"/>
+                    </a:srgbClr>
+                  </a:outerShdw>
+                </a:effectLst>
+              </a:rPr>
+              <a:t>hình</a:t>
+            </a:r>
+            <a:r>
+              <a:rPr lang="en-US" sz="3600" b="1" dirty="0">
+                <a:effectLst>
+                  <a:outerShdw blurRad="38100" dist="38100" dir="2700000" algn="tl">
+                    <a:srgbClr val="000000">
+                      <a:alpha val="43137"/>
+                    </a:srgbClr>
+                  </a:outerShdw>
+                </a:effectLst>
+              </a:rPr>
+              <a:t> MVC</a:t>
             </a:r>
           </a:p>
         </p:txBody>
@@ -7151,29 +5669,17 @@
     </p:spTree>
     <p:extLst>
       <p:ext uri="{BB962C8B-B14F-4D97-AF65-F5344CB8AC3E}">
-        <p14:creationId xmlns:p14="http://schemas.microsoft.com/office/powerpoint/2010/main" val="4242409862"/>
+        <p14:creationId xmlns:p14="http://schemas.microsoft.com/office/powerpoint/2010/main" val="3310467622"/>
       </p:ext>
     </p:extLst>
   </p:cSld>
   <p:clrMapOvr>
     <a:masterClrMapping/>
   </p:clrMapOvr>
-  <mc:AlternateContent xmlns:mc="http://schemas.openxmlformats.org/markup-compatibility/2006" xmlns:p15="http://schemas.microsoft.com/office/powerpoint/2012/main">
-    <mc:Choice Requires="p15">
-      <p:transition xmlns:p14="http://schemas.microsoft.com/office/powerpoint/2010/main" spd="slow" p14:dur="2000">
-        <p15:prstTrans prst="drape"/>
-      </p:transition>
-    </mc:Choice>
-    <mc:Fallback xmlns="">
-      <p:transition spd="slow">
-        <p:fade/>
-      </p:transition>
-    </mc:Fallback>
-  </mc:AlternateContent>
 </p:sld>
 </file>
 
-<file path=ppt/slides/slide6.xml><?xml version="1.0" encoding="utf-8"?>
+<file path=ppt/slides/slide4.xml><?xml version="1.0" encoding="utf-8"?>
 <p:sld xmlns:a="http://schemas.openxmlformats.org/drawingml/2006/main" xmlns:r="http://schemas.openxmlformats.org/officeDocument/2006/relationships" xmlns:p="http://schemas.openxmlformats.org/presentationml/2006/main">
   <p:cSld>
     <p:spTree>
@@ -7608,7 +6114,7 @@
 </p:sld>
 </file>
 
-<file path=ppt/slides/slide7.xml><?xml version="1.0" encoding="utf-8"?>
+<file path=ppt/slides/slide5.xml><?xml version="1.0" encoding="utf-8"?>
 <p:sld xmlns:a="http://schemas.openxmlformats.org/drawingml/2006/main" xmlns:r="http://schemas.openxmlformats.org/officeDocument/2006/relationships" xmlns:p="http://schemas.openxmlformats.org/presentationml/2006/main">
   <p:cSld>
     <p:spTree>
@@ -7989,7 +6495,7 @@
 </p:sld>
 </file>
 
-<file path=ppt/slides/slide8.xml><?xml version="1.0" encoding="utf-8"?>
+<file path=ppt/slides/slide6.xml><?xml version="1.0" encoding="utf-8"?>
 <p:sld xmlns:a="http://schemas.openxmlformats.org/drawingml/2006/main" xmlns:r="http://schemas.openxmlformats.org/officeDocument/2006/relationships" xmlns:p="http://schemas.openxmlformats.org/presentationml/2006/main">
   <p:cSld>
     <p:spTree>
@@ -8825,7 +7331,7 @@
 </p:sld>
 </file>
 
-<file path=ppt/slides/slide9.xml><?xml version="1.0" encoding="utf-8"?>
+<file path=ppt/slides/slide7.xml><?xml version="1.0" encoding="utf-8"?>
 <p:sld xmlns:a="http://schemas.openxmlformats.org/drawingml/2006/main" xmlns:r="http://schemas.openxmlformats.org/officeDocument/2006/relationships" xmlns:p="http://schemas.openxmlformats.org/presentationml/2006/main">
   <p:cSld>
     <p:spTree>
@@ -8930,6 +7436,589 @@
     <mc:Fallback xmlns="">
       <p:transition spd="slow">
         <p:split orient="vert"/>
+      </p:transition>
+    </mc:Fallback>
+  </mc:AlternateContent>
+</p:sld>
+</file>
+
+<file path=ppt/slides/slide8.xml><?xml version="1.0" encoding="utf-8"?>
+<p:sld xmlns:a="http://schemas.openxmlformats.org/drawingml/2006/main" xmlns:r="http://schemas.openxmlformats.org/officeDocument/2006/relationships" xmlns:p="http://schemas.openxmlformats.org/presentationml/2006/main">
+  <p:cSld>
+    <p:spTree>
+      <p:nvGrpSpPr>
+        <p:cNvPr id="1" name=""/>
+        <p:cNvGrpSpPr/>
+        <p:nvPr/>
+      </p:nvGrpSpPr>
+      <p:grpSpPr>
+        <a:xfrm>
+          <a:off x="0" y="0"/>
+          <a:ext cx="0" cy="0"/>
+          <a:chOff x="0" y="0"/>
+          <a:chExt cx="0" cy="0"/>
+        </a:xfrm>
+      </p:grpSpPr>
+      <p:pic>
+        <p:nvPicPr>
+          <p:cNvPr id="5" name="Hình ảnh 4">
+            <a:extLst>
+              <a:ext uri="{FF2B5EF4-FFF2-40B4-BE49-F238E27FC236}">
+                <a16:creationId xmlns:a16="http://schemas.microsoft.com/office/drawing/2014/main" id="{4F9E7D65-859E-4AB8-A6DE-D22B31B5A70A}"/>
+              </a:ext>
+            </a:extLst>
+          </p:cNvPr>
+          <p:cNvPicPr/>
+          <p:nvPr/>
+        </p:nvPicPr>
+        <p:blipFill>
+          <a:blip r:embed="rId2"/>
+          <a:stretch>
+            <a:fillRect/>
+          </a:stretch>
+        </p:blipFill>
+        <p:spPr>
+          <a:xfrm>
+            <a:off x="160006" y="1178214"/>
+            <a:ext cx="6818309" cy="4568067"/>
+          </a:xfrm>
+          <a:prstGeom prst="rect">
+            <a:avLst/>
+          </a:prstGeom>
+        </p:spPr>
+      </p:pic>
+      <p:sp>
+        <p:nvSpPr>
+          <p:cNvPr id="6" name="Gợn sóng Kép 5">
+            <a:extLst>
+              <a:ext uri="{FF2B5EF4-FFF2-40B4-BE49-F238E27FC236}">
+                <a16:creationId xmlns:a16="http://schemas.microsoft.com/office/drawing/2014/main" id="{CD2CC829-3496-4135-AA40-11CC5BC90902}"/>
+              </a:ext>
+            </a:extLst>
+          </p:cNvPr>
+          <p:cNvSpPr/>
+          <p:nvPr/>
+        </p:nvSpPr>
+        <p:spPr>
+          <a:xfrm>
+            <a:off x="76484" y="0"/>
+            <a:ext cx="2172929" cy="1150374"/>
+          </a:xfrm>
+          <a:prstGeom prst="doubleWave">
+            <a:avLst/>
+          </a:prstGeom>
+          <a:solidFill>
+            <a:srgbClr val="C00000"/>
+          </a:solidFill>
+          <a:ln>
+            <a:noFill/>
+          </a:ln>
+        </p:spPr>
+        <p:style>
+          <a:lnRef idx="2">
+            <a:schemeClr val="accent1">
+              <a:shade val="50000"/>
+            </a:schemeClr>
+          </a:lnRef>
+          <a:fillRef idx="1">
+            <a:schemeClr val="accent1"/>
+          </a:fillRef>
+          <a:effectRef idx="0">
+            <a:schemeClr val="accent1"/>
+          </a:effectRef>
+          <a:fontRef idx="minor">
+            <a:schemeClr val="lt1"/>
+          </a:fontRef>
+        </p:style>
+        <p:txBody>
+          <a:bodyPr rtlCol="0" anchor="ctr"/>
+          <a:lstStyle/>
+          <a:p>
+            <a:pPr algn="ctr"/>
+            <a:r>
+              <a:rPr lang="en-US" sz="3600" b="1">
+                <a:effectLst>
+                  <a:outerShdw blurRad="38100" dist="38100" dir="2700000" algn="tl">
+                    <a:srgbClr val="000000">
+                      <a:alpha val="43137"/>
+                    </a:srgbClr>
+                  </a:outerShdw>
+                </a:effectLst>
+              </a:rPr>
+              <a:t>HÓA ĐƠN</a:t>
+            </a:r>
+          </a:p>
+        </p:txBody>
+      </p:sp>
+      <p:sp>
+        <p:nvSpPr>
+          <p:cNvPr id="8" name="Hộp Văn bản 7">
+            <a:extLst>
+              <a:ext uri="{FF2B5EF4-FFF2-40B4-BE49-F238E27FC236}">
+                <a16:creationId xmlns:a16="http://schemas.microsoft.com/office/drawing/2014/main" id="{F7803212-02EA-4307-A364-D1EEDF1D588F}"/>
+              </a:ext>
+            </a:extLst>
+          </p:cNvPr>
+          <p:cNvSpPr txBox="1"/>
+          <p:nvPr/>
+        </p:nvSpPr>
+        <p:spPr>
+          <a:xfrm>
+            <a:off x="2531444" y="5543288"/>
+            <a:ext cx="1595309" cy="461665"/>
+          </a:xfrm>
+          <a:prstGeom prst="rect">
+            <a:avLst/>
+          </a:prstGeom>
+          <a:solidFill>
+            <a:srgbClr val="008080"/>
+          </a:solidFill>
+        </p:spPr>
+        <p:txBody>
+          <a:bodyPr wrap="none" rtlCol="0">
+            <a:spAutoFit/>
+          </a:bodyPr>
+          <a:lstStyle/>
+          <a:p>
+            <a:r>
+              <a:rPr lang="en-US" sz="2400">
+                <a:solidFill>
+                  <a:schemeClr val="bg1"/>
+                </a:solidFill>
+              </a:rPr>
+              <a:t>In Hóa Đơn</a:t>
+            </a:r>
+          </a:p>
+        </p:txBody>
+      </p:sp>
+      <p:pic>
+        <p:nvPicPr>
+          <p:cNvPr id="10" name="Hình ảnh 9">
+            <a:extLst>
+              <a:ext uri="{FF2B5EF4-FFF2-40B4-BE49-F238E27FC236}">
+                <a16:creationId xmlns:a16="http://schemas.microsoft.com/office/drawing/2014/main" id="{A8A18241-62FC-4C74-9974-83A25F87DFFD}"/>
+              </a:ext>
+            </a:extLst>
+          </p:cNvPr>
+          <p:cNvPicPr/>
+          <p:nvPr/>
+        </p:nvPicPr>
+        <p:blipFill>
+          <a:blip r:embed="rId3"/>
+          <a:stretch>
+            <a:fillRect/>
+          </a:stretch>
+        </p:blipFill>
+        <p:spPr>
+          <a:xfrm>
+            <a:off x="5118265" y="-1"/>
+            <a:ext cx="7073735" cy="4975761"/>
+          </a:xfrm>
+          <a:prstGeom prst="rect">
+            <a:avLst/>
+          </a:prstGeom>
+        </p:spPr>
+      </p:pic>
+      <p:sp>
+        <p:nvSpPr>
+          <p:cNvPr id="9" name="Hộp Văn bản 8">
+            <a:extLst>
+              <a:ext uri="{FF2B5EF4-FFF2-40B4-BE49-F238E27FC236}">
+                <a16:creationId xmlns:a16="http://schemas.microsoft.com/office/drawing/2014/main" id="{87850249-B027-475D-8121-7821E1D951A1}"/>
+              </a:ext>
+            </a:extLst>
+          </p:cNvPr>
+          <p:cNvSpPr txBox="1"/>
+          <p:nvPr/>
+        </p:nvSpPr>
+        <p:spPr>
+          <a:xfrm>
+            <a:off x="7801613" y="4495017"/>
+            <a:ext cx="2316916" cy="461665"/>
+          </a:xfrm>
+          <a:prstGeom prst="rect">
+            <a:avLst/>
+          </a:prstGeom>
+          <a:solidFill>
+            <a:srgbClr val="008080"/>
+          </a:solidFill>
+        </p:spPr>
+        <p:txBody>
+          <a:bodyPr wrap="none" rtlCol="0">
+            <a:spAutoFit/>
+          </a:bodyPr>
+          <a:lstStyle/>
+          <a:p>
+            <a:r>
+              <a:rPr lang="en-US" sz="2400">
+                <a:solidFill>
+                  <a:schemeClr val="bg1"/>
+                </a:solidFill>
+              </a:rPr>
+              <a:t>Tra Cứu Hóa Đơn</a:t>
+            </a:r>
+          </a:p>
+        </p:txBody>
+      </p:sp>
+    </p:spTree>
+    <p:extLst>
+      <p:ext uri="{BB962C8B-B14F-4D97-AF65-F5344CB8AC3E}">
+        <p14:creationId xmlns:p14="http://schemas.microsoft.com/office/powerpoint/2010/main" val="2730633861"/>
+      </p:ext>
+    </p:extLst>
+  </p:cSld>
+  <p:clrMapOvr>
+    <a:masterClrMapping/>
+  </p:clrMapOvr>
+  <mc:AlternateContent xmlns:mc="http://schemas.openxmlformats.org/markup-compatibility/2006" xmlns:p15="http://schemas.microsoft.com/office/powerpoint/2012/main">
+    <mc:Choice Requires="p15">
+      <p:transition xmlns:p14="http://schemas.microsoft.com/office/powerpoint/2010/main" spd="slow" p14:dur="1250">
+        <p15:prstTrans prst="peelOff"/>
+      </p:transition>
+    </mc:Choice>
+    <mc:Fallback xmlns="">
+      <p:transition spd="slow">
+        <p:fade/>
+      </p:transition>
+    </mc:Fallback>
+  </mc:AlternateContent>
+  <p:timing>
+    <p:tnLst>
+      <p:par>
+        <p:cTn id="1" dur="indefinite" restart="never" nodeType="tmRoot">
+          <p:childTnLst>
+            <p:seq concurrent="1" nextAc="seek">
+              <p:cTn id="2" dur="indefinite" nodeType="mainSeq">
+                <p:childTnLst>
+                  <p:par>
+                    <p:cTn id="3" fill="hold">
+                      <p:stCondLst>
+                        <p:cond delay="indefinite"/>
+                      </p:stCondLst>
+                      <p:childTnLst>
+                        <p:par>
+                          <p:cTn id="4" fill="hold">
+                            <p:stCondLst>
+                              <p:cond delay="0"/>
+                            </p:stCondLst>
+                            <p:childTnLst>
+                              <p:par>
+                                <p:cTn id="5" presetID="22" presetClass="entr" presetSubtype="8" fill="hold" nodeType="clickEffect">
+                                  <p:stCondLst>
+                                    <p:cond delay="0"/>
+                                  </p:stCondLst>
+                                  <p:childTnLst>
+                                    <p:set>
+                                      <p:cBhvr>
+                                        <p:cTn id="6" dur="1" fill="hold">
+                                          <p:stCondLst>
+                                            <p:cond delay="0"/>
+                                          </p:stCondLst>
+                                        </p:cTn>
+                                        <p:tgtEl>
+                                          <p:spTgt spid="5"/>
+                                        </p:tgtEl>
+                                        <p:attrNameLst>
+                                          <p:attrName>style.visibility</p:attrName>
+                                        </p:attrNameLst>
+                                      </p:cBhvr>
+                                      <p:to>
+                                        <p:strVal val="visible"/>
+                                      </p:to>
+                                    </p:set>
+                                    <p:animEffect transition="in" filter="wipe(left)">
+                                      <p:cBhvr>
+                                        <p:cTn id="7" dur="500"/>
+                                        <p:tgtEl>
+                                          <p:spTgt spid="5"/>
+                                        </p:tgtEl>
+                                      </p:cBhvr>
+                                    </p:animEffect>
+                                  </p:childTnLst>
+                                </p:cTn>
+                              </p:par>
+                              <p:par>
+                                <p:cTn id="8" presetID="22" presetClass="entr" presetSubtype="4" fill="hold" grpId="0" nodeType="withEffect">
+                                  <p:stCondLst>
+                                    <p:cond delay="0"/>
+                                  </p:stCondLst>
+                                  <p:childTnLst>
+                                    <p:set>
+                                      <p:cBhvr>
+                                        <p:cTn id="9" dur="1" fill="hold">
+                                          <p:stCondLst>
+                                            <p:cond delay="0"/>
+                                          </p:stCondLst>
+                                        </p:cTn>
+                                        <p:tgtEl>
+                                          <p:spTgt spid="8"/>
+                                        </p:tgtEl>
+                                        <p:attrNameLst>
+                                          <p:attrName>style.visibility</p:attrName>
+                                        </p:attrNameLst>
+                                      </p:cBhvr>
+                                      <p:to>
+                                        <p:strVal val="visible"/>
+                                      </p:to>
+                                    </p:set>
+                                    <p:animEffect transition="in" filter="wipe(down)">
+                                      <p:cBhvr>
+                                        <p:cTn id="10" dur="500"/>
+                                        <p:tgtEl>
+                                          <p:spTgt spid="8"/>
+                                        </p:tgtEl>
+                                      </p:cBhvr>
+                                    </p:animEffect>
+                                  </p:childTnLst>
+                                </p:cTn>
+                              </p:par>
+                            </p:childTnLst>
+                          </p:cTn>
+                        </p:par>
+                      </p:childTnLst>
+                    </p:cTn>
+                  </p:par>
+                  <p:par>
+                    <p:cTn id="11" fill="hold">
+                      <p:stCondLst>
+                        <p:cond delay="indefinite"/>
+                      </p:stCondLst>
+                      <p:childTnLst>
+                        <p:par>
+                          <p:cTn id="12" fill="hold">
+                            <p:stCondLst>
+                              <p:cond delay="0"/>
+                            </p:stCondLst>
+                            <p:childTnLst>
+                              <p:par>
+                                <p:cTn id="13" presetID="22" presetClass="entr" presetSubtype="4" fill="hold" nodeType="clickEffect">
+                                  <p:stCondLst>
+                                    <p:cond delay="0"/>
+                                  </p:stCondLst>
+                                  <p:childTnLst>
+                                    <p:set>
+                                      <p:cBhvr>
+                                        <p:cTn id="14" dur="1" fill="hold">
+                                          <p:stCondLst>
+                                            <p:cond delay="0"/>
+                                          </p:stCondLst>
+                                        </p:cTn>
+                                        <p:tgtEl>
+                                          <p:spTgt spid="10"/>
+                                        </p:tgtEl>
+                                        <p:attrNameLst>
+                                          <p:attrName>style.visibility</p:attrName>
+                                        </p:attrNameLst>
+                                      </p:cBhvr>
+                                      <p:to>
+                                        <p:strVal val="visible"/>
+                                      </p:to>
+                                    </p:set>
+                                    <p:animEffect transition="in" filter="wipe(down)">
+                                      <p:cBhvr>
+                                        <p:cTn id="15" dur="500"/>
+                                        <p:tgtEl>
+                                          <p:spTgt spid="10"/>
+                                        </p:tgtEl>
+                                      </p:cBhvr>
+                                    </p:animEffect>
+                                  </p:childTnLst>
+                                </p:cTn>
+                              </p:par>
+                              <p:par>
+                                <p:cTn id="16" presetID="22" presetClass="entr" presetSubtype="4" fill="hold" grpId="0" nodeType="withEffect">
+                                  <p:stCondLst>
+                                    <p:cond delay="0"/>
+                                  </p:stCondLst>
+                                  <p:childTnLst>
+                                    <p:set>
+                                      <p:cBhvr>
+                                        <p:cTn id="17" dur="1" fill="hold">
+                                          <p:stCondLst>
+                                            <p:cond delay="0"/>
+                                          </p:stCondLst>
+                                        </p:cTn>
+                                        <p:tgtEl>
+                                          <p:spTgt spid="9"/>
+                                        </p:tgtEl>
+                                        <p:attrNameLst>
+                                          <p:attrName>style.visibility</p:attrName>
+                                        </p:attrNameLst>
+                                      </p:cBhvr>
+                                      <p:to>
+                                        <p:strVal val="visible"/>
+                                      </p:to>
+                                    </p:set>
+                                    <p:animEffect transition="in" filter="wipe(down)">
+                                      <p:cBhvr>
+                                        <p:cTn id="18" dur="500"/>
+                                        <p:tgtEl>
+                                          <p:spTgt spid="9"/>
+                                        </p:tgtEl>
+                                      </p:cBhvr>
+                                    </p:animEffect>
+                                  </p:childTnLst>
+                                </p:cTn>
+                              </p:par>
+                            </p:childTnLst>
+                          </p:cTn>
+                        </p:par>
+                      </p:childTnLst>
+                    </p:cTn>
+                  </p:par>
+                </p:childTnLst>
+              </p:cTn>
+              <p:prevCondLst>
+                <p:cond evt="onPrev" delay="0">
+                  <p:tgtEl>
+                    <p:sldTgt/>
+                  </p:tgtEl>
+                </p:cond>
+              </p:prevCondLst>
+              <p:nextCondLst>
+                <p:cond evt="onNext" delay="0">
+                  <p:tgtEl>
+                    <p:sldTgt/>
+                  </p:tgtEl>
+                </p:cond>
+              </p:nextCondLst>
+            </p:seq>
+          </p:childTnLst>
+        </p:cTn>
+      </p:par>
+    </p:tnLst>
+    <p:bldLst>
+      <p:bldP spid="8" grpId="0" animBg="1"/>
+      <p:bldP spid="9" grpId="0" animBg="1"/>
+    </p:bldLst>
+  </p:timing>
+</p:sld>
+</file>
+
+<file path=ppt/slides/slide9.xml><?xml version="1.0" encoding="utf-8"?>
+<p:sld xmlns:a="http://schemas.openxmlformats.org/drawingml/2006/main" xmlns:r="http://schemas.openxmlformats.org/officeDocument/2006/relationships" xmlns:p="http://schemas.openxmlformats.org/presentationml/2006/main">
+  <p:cSld>
+    <p:spTree>
+      <p:nvGrpSpPr>
+        <p:cNvPr id="1" name=""/>
+        <p:cNvGrpSpPr/>
+        <p:nvPr/>
+      </p:nvGrpSpPr>
+      <p:grpSpPr>
+        <a:xfrm>
+          <a:off x="0" y="0"/>
+          <a:ext cx="0" cy="0"/>
+          <a:chOff x="0" y="0"/>
+          <a:chExt cx="0" cy="0"/>
+        </a:xfrm>
+      </p:grpSpPr>
+      <p:sp>
+        <p:nvSpPr>
+          <p:cNvPr id="5" name="Hình chữ nhật 4">
+            <a:extLst>
+              <a:ext uri="{FF2B5EF4-FFF2-40B4-BE49-F238E27FC236}">
+                <a16:creationId xmlns:a16="http://schemas.microsoft.com/office/drawing/2014/main" id="{A0B56601-3DAC-4086-97EB-DB95276C57EF}"/>
+              </a:ext>
+            </a:extLst>
+          </p:cNvPr>
+          <p:cNvSpPr/>
+          <p:nvPr/>
+        </p:nvSpPr>
+        <p:spPr>
+          <a:xfrm>
+            <a:off x="4920915" y="211757"/>
+            <a:ext cx="2692668" cy="625642"/>
+          </a:xfrm>
+          <a:prstGeom prst="rect">
+            <a:avLst/>
+          </a:prstGeom>
+          <a:solidFill>
+            <a:srgbClr val="008080"/>
+          </a:solidFill>
+        </p:spPr>
+        <p:style>
+          <a:lnRef idx="2">
+            <a:schemeClr val="accent1">
+              <a:shade val="50000"/>
+            </a:schemeClr>
+          </a:lnRef>
+          <a:fillRef idx="1">
+            <a:schemeClr val="accent1"/>
+          </a:fillRef>
+          <a:effectRef idx="0">
+            <a:schemeClr val="accent1"/>
+          </a:effectRef>
+          <a:fontRef idx="minor">
+            <a:schemeClr val="lt1"/>
+          </a:fontRef>
+        </p:style>
+        <p:txBody>
+          <a:bodyPr rtlCol="0" anchor="ctr"/>
+          <a:lstStyle/>
+          <a:p>
+            <a:pPr algn="ctr"/>
+            <a:r>
+              <a:rPr lang="en-US" sz="3600" b="1" dirty="0">
+                <a:effectLst>
+                  <a:outerShdw blurRad="38100" dist="38100" dir="2700000" algn="tl">
+                    <a:srgbClr val="000000">
+                      <a:alpha val="43137"/>
+                    </a:srgbClr>
+                  </a:outerShdw>
+                </a:effectLst>
+              </a:rPr>
+              <a:t>NHÂN VIÊN</a:t>
+            </a:r>
+          </a:p>
+        </p:txBody>
+      </p:sp>
+      <p:pic>
+        <p:nvPicPr>
+          <p:cNvPr id="6" name="Hình ảnh 5">
+            <a:extLst>
+              <a:ext uri="{FF2B5EF4-FFF2-40B4-BE49-F238E27FC236}">
+                <a16:creationId xmlns:a16="http://schemas.microsoft.com/office/drawing/2014/main" id="{CB07C184-BEA5-4DF3-A469-09E92E0CF7E0}"/>
+              </a:ext>
+            </a:extLst>
+          </p:cNvPr>
+          <p:cNvPicPr/>
+          <p:nvPr/>
+        </p:nvPicPr>
+        <p:blipFill>
+          <a:blip r:embed="rId2"/>
+          <a:stretch>
+            <a:fillRect/>
+          </a:stretch>
+        </p:blipFill>
+        <p:spPr>
+          <a:xfrm>
+            <a:off x="2091046" y="955163"/>
+            <a:ext cx="8810502" cy="5303133"/>
+          </a:xfrm>
+          <a:prstGeom prst="rect">
+            <a:avLst/>
+          </a:prstGeom>
+        </p:spPr>
+      </p:pic>
+    </p:spTree>
+    <p:extLst>
+      <p:ext uri="{BB962C8B-B14F-4D97-AF65-F5344CB8AC3E}">
+        <p14:creationId xmlns:p14="http://schemas.microsoft.com/office/powerpoint/2010/main" val="1931850186"/>
+      </p:ext>
+    </p:extLst>
+  </p:cSld>
+  <p:clrMapOvr>
+    <a:masterClrMapping/>
+  </p:clrMapOvr>
+  <mc:AlternateContent xmlns:mc="http://schemas.openxmlformats.org/markup-compatibility/2006" xmlns:p15="http://schemas.microsoft.com/office/powerpoint/2012/main">
+    <mc:Choice Requires="p15">
+      <p:transition xmlns:p14="http://schemas.microsoft.com/office/powerpoint/2010/main" spd="slow" p14:dur="1250">
+        <p15:prstTrans prst="peelOff"/>
+      </p:transition>
+    </mc:Choice>
+    <mc:Fallback xmlns="">
+      <p:transition spd="slow">
+        <p:fade/>
       </p:transition>
     </mc:Fallback>
   </mc:AlternateContent>
